--- a/docs/HBase/HBase.pptx
+++ b/docs/HBase/HBase.pptx
@@ -8,6 +8,9 @@
     <p:sldId id="256" r:id="rId2"/>
     <p:sldId id="257" r:id="rId3"/>
     <p:sldId id="258" r:id="rId4"/>
+    <p:sldId id="259" r:id="rId5"/>
+    <p:sldId id="260" r:id="rId6"/>
+    <p:sldId id="261" r:id="rId7"/>
   </p:sldIdLst>
   <p:sldSz cx="12192000" cy="6858000"/>
   <p:notesSz cx="6858000" cy="9144000"/>
@@ -261,7 +264,7 @@
           <a:p>
             <a:fld id="{B6CF4316-A46E-4E2B-AD5C-D864F14A2A3D}" type="datetimeFigureOut">
               <a:rPr lang="zh-CN" altLang="en-US" smtClean="0"/>
-              <a:t>2020-11-4 Wednesday</a:t>
+              <a:t>2020-11-10 Tuesday</a:t>
             </a:fld>
             <a:endParaRPr lang="zh-CN" altLang="en-US"/>
           </a:p>
@@ -459,7 +462,7 @@
           <a:p>
             <a:fld id="{B6CF4316-A46E-4E2B-AD5C-D864F14A2A3D}" type="datetimeFigureOut">
               <a:rPr lang="zh-CN" altLang="en-US" smtClean="0"/>
-              <a:t>2020-11-4 Wednesday</a:t>
+              <a:t>2020-11-10 Tuesday</a:t>
             </a:fld>
             <a:endParaRPr lang="zh-CN" altLang="en-US"/>
           </a:p>
@@ -667,7 +670,7 @@
           <a:p>
             <a:fld id="{B6CF4316-A46E-4E2B-AD5C-D864F14A2A3D}" type="datetimeFigureOut">
               <a:rPr lang="zh-CN" altLang="en-US" smtClean="0"/>
-              <a:t>2020-11-4 Wednesday</a:t>
+              <a:t>2020-11-10 Tuesday</a:t>
             </a:fld>
             <a:endParaRPr lang="zh-CN" altLang="en-US"/>
           </a:p>
@@ -865,7 +868,7 @@
           <a:p>
             <a:fld id="{B6CF4316-A46E-4E2B-AD5C-D864F14A2A3D}" type="datetimeFigureOut">
               <a:rPr lang="zh-CN" altLang="en-US" smtClean="0"/>
-              <a:t>2020-11-4 Wednesday</a:t>
+              <a:t>2020-11-10 Tuesday</a:t>
             </a:fld>
             <a:endParaRPr lang="zh-CN" altLang="en-US"/>
           </a:p>
@@ -1140,7 +1143,7 @@
           <a:p>
             <a:fld id="{B6CF4316-A46E-4E2B-AD5C-D864F14A2A3D}" type="datetimeFigureOut">
               <a:rPr lang="zh-CN" altLang="en-US" smtClean="0"/>
-              <a:t>2020-11-4 Wednesday</a:t>
+              <a:t>2020-11-10 Tuesday</a:t>
             </a:fld>
             <a:endParaRPr lang="zh-CN" altLang="en-US"/>
           </a:p>
@@ -1405,7 +1408,7 @@
           <a:p>
             <a:fld id="{B6CF4316-A46E-4E2B-AD5C-D864F14A2A3D}" type="datetimeFigureOut">
               <a:rPr lang="zh-CN" altLang="en-US" smtClean="0"/>
-              <a:t>2020-11-4 Wednesday</a:t>
+              <a:t>2020-11-10 Tuesday</a:t>
             </a:fld>
             <a:endParaRPr lang="zh-CN" altLang="en-US"/>
           </a:p>
@@ -1817,7 +1820,7 @@
           <a:p>
             <a:fld id="{B6CF4316-A46E-4E2B-AD5C-D864F14A2A3D}" type="datetimeFigureOut">
               <a:rPr lang="zh-CN" altLang="en-US" smtClean="0"/>
-              <a:t>2020-11-4 Wednesday</a:t>
+              <a:t>2020-11-10 Tuesday</a:t>
             </a:fld>
             <a:endParaRPr lang="zh-CN" altLang="en-US"/>
           </a:p>
@@ -1958,7 +1961,7 @@
           <a:p>
             <a:fld id="{B6CF4316-A46E-4E2B-AD5C-D864F14A2A3D}" type="datetimeFigureOut">
               <a:rPr lang="zh-CN" altLang="en-US" smtClean="0"/>
-              <a:t>2020-11-4 Wednesday</a:t>
+              <a:t>2020-11-10 Tuesday</a:t>
             </a:fld>
             <a:endParaRPr lang="zh-CN" altLang="en-US"/>
           </a:p>
@@ -2071,7 +2074,7 @@
           <a:p>
             <a:fld id="{B6CF4316-A46E-4E2B-AD5C-D864F14A2A3D}" type="datetimeFigureOut">
               <a:rPr lang="zh-CN" altLang="en-US" smtClean="0"/>
-              <a:t>2020-11-4 Wednesday</a:t>
+              <a:t>2020-11-10 Tuesday</a:t>
             </a:fld>
             <a:endParaRPr lang="zh-CN" altLang="en-US"/>
           </a:p>
@@ -2382,7 +2385,7 @@
           <a:p>
             <a:fld id="{B6CF4316-A46E-4E2B-AD5C-D864F14A2A3D}" type="datetimeFigureOut">
               <a:rPr lang="zh-CN" altLang="en-US" smtClean="0"/>
-              <a:t>2020-11-4 Wednesday</a:t>
+              <a:t>2020-11-10 Tuesday</a:t>
             </a:fld>
             <a:endParaRPr lang="zh-CN" altLang="en-US"/>
           </a:p>
@@ -2670,7 +2673,7 @@
           <a:p>
             <a:fld id="{B6CF4316-A46E-4E2B-AD5C-D864F14A2A3D}" type="datetimeFigureOut">
               <a:rPr lang="zh-CN" altLang="en-US" smtClean="0"/>
-              <a:t>2020-11-4 Wednesday</a:t>
+              <a:t>2020-11-10 Tuesday</a:t>
             </a:fld>
             <a:endParaRPr lang="zh-CN" altLang="en-US"/>
           </a:p>
@@ -2911,7 +2914,7 @@
           <a:p>
             <a:fld id="{B6CF4316-A46E-4E2B-AD5C-D864F14A2A3D}" type="datetimeFigureOut">
               <a:rPr lang="zh-CN" altLang="en-US" smtClean="0"/>
-              <a:t>2020-11-4 Wednesday</a:t>
+              <a:t>2020-11-10 Tuesday</a:t>
             </a:fld>
             <a:endParaRPr lang="zh-CN" altLang="en-US"/>
           </a:p>
@@ -26215,6 +26218,3541 @@
 </p:sld>
 </file>
 
+<file path=ppt/slides/slide4.xml><?xml version="1.0" encoding="utf-8"?>
+<p:sld xmlns:a="http://schemas.openxmlformats.org/drawingml/2006/main" xmlns:r="http://schemas.openxmlformats.org/officeDocument/2006/relationships" xmlns:p="http://schemas.openxmlformats.org/presentationml/2006/main">
+  <p:cSld>
+    <p:spTree>
+      <p:nvGrpSpPr>
+        <p:cNvPr id="1" name=""/>
+        <p:cNvGrpSpPr/>
+        <p:nvPr/>
+      </p:nvGrpSpPr>
+      <p:grpSpPr>
+        <a:xfrm>
+          <a:off x="0" y="0"/>
+          <a:ext cx="0" cy="0"/>
+          <a:chOff x="0" y="0"/>
+          <a:chExt cx="0" cy="0"/>
+        </a:xfrm>
+      </p:grpSpPr>
+      <p:sp>
+        <p:nvSpPr>
+          <p:cNvPr id="2" name="Rectangle 2"/>
+          <p:cNvSpPr>
+            <a:spLocks noGrp="1" noChangeArrowheads="1"/>
+          </p:cNvSpPr>
+          <p:nvPr/>
+        </p:nvSpPr>
+        <p:spPr bwMode="auto">
+          <a:xfrm>
+            <a:off x="2197894" y="204788"/>
+            <a:ext cx="7696200" cy="1439863"/>
+          </a:xfrm>
+          <a:prstGeom prst="rect">
+            <a:avLst/>
+          </a:prstGeom>
+          <a:noFill/>
+          <a:ln>
+            <a:noFill/>
+          </a:ln>
+          <a:extLst>
+            <a:ext uri="{909E8E84-426E-40DD-AFC4-6F175D3DCCD1}">
+              <a14:hiddenFill xmlns:a14="http://schemas.microsoft.com/office/drawing/2010/main">
+                <a:solidFill>
+                  <a:schemeClr val="accent1"/>
+                </a:solidFill>
+              </a14:hiddenFill>
+            </a:ext>
+            <a:ext uri="{91240B29-F687-4F45-9708-019B960494DF}">
+              <a14:hiddenLine xmlns:a14="http://schemas.microsoft.com/office/drawing/2010/main" w="9525">
+                <a:solidFill>
+                  <a:srgbClr val="000000"/>
+                </a:solidFill>
+                <a:miter lim="800000"/>
+                <a:headEnd/>
+                <a:tailEnd/>
+              </a14:hiddenLine>
+            </a:ext>
+          </a:extLst>
+        </p:spPr>
+        <p:txBody>
+          <a:bodyPr vert="horz" wrap="square" lIns="91440" tIns="45720" rIns="91440" bIns="45720" numCol="1" anchor="ctr" anchorCtr="0" compatLnSpc="1">
+            <a:prstTxWarp prst="textNoShape">
+              <a:avLst/>
+            </a:prstTxWarp>
+          </a:bodyPr>
+          <a:lstStyle>
+            <a:lvl1pPr algn="l" rtl="0" fontAlgn="t">
+              <a:lnSpc>
+                <a:spcPts val="3200"/>
+              </a:lnSpc>
+              <a:spcBef>
+                <a:spcPct val="0"/>
+              </a:spcBef>
+              <a:spcAft>
+                <a:spcPct val="0"/>
+              </a:spcAft>
+              <a:buSzPct val="100000"/>
+              <a:buFont typeface="Times New Roman" panose="02020603050405020304" pitchFamily="18" charset="0"/>
+              <a:defRPr sz="4400" b="1" kern="1200">
+                <a:solidFill>
+                  <a:srgbClr val="074888"/>
+                </a:solidFill>
+                <a:latin typeface="+mj-lt"/>
+                <a:ea typeface="+mj-ea"/>
+                <a:cs typeface="+mj-cs"/>
+              </a:defRPr>
+            </a:lvl1pPr>
+            <a:lvl2pPr algn="l" rtl="0" fontAlgn="t">
+              <a:lnSpc>
+                <a:spcPts val="3200"/>
+              </a:lnSpc>
+              <a:spcBef>
+                <a:spcPct val="0"/>
+              </a:spcBef>
+              <a:spcAft>
+                <a:spcPct val="0"/>
+              </a:spcAft>
+              <a:buSzPct val="100000"/>
+              <a:buFont typeface="Times New Roman" panose="02020603050405020304" pitchFamily="18" charset="0"/>
+              <a:defRPr sz="4400" b="1">
+                <a:solidFill>
+                  <a:srgbClr val="074888"/>
+                </a:solidFill>
+                <a:latin typeface="Arial" panose="020B0604020202020204" pitchFamily="34" charset="0"/>
+                <a:ea typeface="楷体_GB2312" pitchFamily="1" charset="-122"/>
+              </a:defRPr>
+            </a:lvl2pPr>
+            <a:lvl3pPr algn="l" rtl="0" fontAlgn="t">
+              <a:lnSpc>
+                <a:spcPts val="3200"/>
+              </a:lnSpc>
+              <a:spcBef>
+                <a:spcPct val="0"/>
+              </a:spcBef>
+              <a:spcAft>
+                <a:spcPct val="0"/>
+              </a:spcAft>
+              <a:buSzPct val="100000"/>
+              <a:buFont typeface="Times New Roman" panose="02020603050405020304" pitchFamily="18" charset="0"/>
+              <a:defRPr sz="4400" b="1">
+                <a:solidFill>
+                  <a:srgbClr val="074888"/>
+                </a:solidFill>
+                <a:latin typeface="Arial" panose="020B0604020202020204" pitchFamily="34" charset="0"/>
+                <a:ea typeface="楷体_GB2312" pitchFamily="1" charset="-122"/>
+              </a:defRPr>
+            </a:lvl3pPr>
+            <a:lvl4pPr algn="l" rtl="0" fontAlgn="t">
+              <a:lnSpc>
+                <a:spcPts val="3200"/>
+              </a:lnSpc>
+              <a:spcBef>
+                <a:spcPct val="0"/>
+              </a:spcBef>
+              <a:spcAft>
+                <a:spcPct val="0"/>
+              </a:spcAft>
+              <a:buSzPct val="100000"/>
+              <a:buFont typeface="Times New Roman" panose="02020603050405020304" pitchFamily="18" charset="0"/>
+              <a:defRPr sz="4400" b="1">
+                <a:solidFill>
+                  <a:srgbClr val="074888"/>
+                </a:solidFill>
+                <a:latin typeface="Arial" panose="020B0604020202020204" pitchFamily="34" charset="0"/>
+                <a:ea typeface="楷体_GB2312" pitchFamily="1" charset="-122"/>
+              </a:defRPr>
+            </a:lvl4pPr>
+            <a:lvl5pPr algn="l" rtl="0" fontAlgn="t">
+              <a:lnSpc>
+                <a:spcPts val="3200"/>
+              </a:lnSpc>
+              <a:spcBef>
+                <a:spcPct val="0"/>
+              </a:spcBef>
+              <a:spcAft>
+                <a:spcPct val="0"/>
+              </a:spcAft>
+              <a:buSzPct val="100000"/>
+              <a:buFont typeface="Times New Roman" panose="02020603050405020304" pitchFamily="18" charset="0"/>
+              <a:defRPr sz="4400" b="1">
+                <a:solidFill>
+                  <a:srgbClr val="074888"/>
+                </a:solidFill>
+                <a:latin typeface="Arial" panose="020B0604020202020204" pitchFamily="34" charset="0"/>
+                <a:ea typeface="楷体_GB2312" pitchFamily="1" charset="-122"/>
+              </a:defRPr>
+            </a:lvl5pPr>
+            <a:lvl6pPr marL="457200" algn="l" rtl="0" fontAlgn="t">
+              <a:lnSpc>
+                <a:spcPts val="3200"/>
+              </a:lnSpc>
+              <a:spcBef>
+                <a:spcPct val="0"/>
+              </a:spcBef>
+              <a:spcAft>
+                <a:spcPct val="0"/>
+              </a:spcAft>
+              <a:buSzPct val="100000"/>
+              <a:buFont typeface="Times New Roman" panose="02020603050405020304" pitchFamily="18" charset="0"/>
+              <a:defRPr sz="4400" b="1">
+                <a:solidFill>
+                  <a:srgbClr val="074888"/>
+                </a:solidFill>
+                <a:latin typeface="Arial" panose="020B0604020202020204" pitchFamily="34" charset="0"/>
+                <a:ea typeface="楷体_GB2312" pitchFamily="1" charset="-122"/>
+              </a:defRPr>
+            </a:lvl6pPr>
+            <a:lvl7pPr marL="914400" algn="l" rtl="0" fontAlgn="t">
+              <a:lnSpc>
+                <a:spcPts val="3200"/>
+              </a:lnSpc>
+              <a:spcBef>
+                <a:spcPct val="0"/>
+              </a:spcBef>
+              <a:spcAft>
+                <a:spcPct val="0"/>
+              </a:spcAft>
+              <a:buSzPct val="100000"/>
+              <a:buFont typeface="Times New Roman" panose="02020603050405020304" pitchFamily="18" charset="0"/>
+              <a:defRPr sz="4400" b="1">
+                <a:solidFill>
+                  <a:srgbClr val="074888"/>
+                </a:solidFill>
+                <a:latin typeface="Arial" panose="020B0604020202020204" pitchFamily="34" charset="0"/>
+                <a:ea typeface="楷体_GB2312" pitchFamily="1" charset="-122"/>
+              </a:defRPr>
+            </a:lvl7pPr>
+            <a:lvl8pPr marL="1371600" algn="l" rtl="0" fontAlgn="t">
+              <a:lnSpc>
+                <a:spcPts val="3200"/>
+              </a:lnSpc>
+              <a:spcBef>
+                <a:spcPct val="0"/>
+              </a:spcBef>
+              <a:spcAft>
+                <a:spcPct val="0"/>
+              </a:spcAft>
+              <a:buSzPct val="100000"/>
+              <a:buFont typeface="Times New Roman" panose="02020603050405020304" pitchFamily="18" charset="0"/>
+              <a:defRPr sz="4400" b="1">
+                <a:solidFill>
+                  <a:srgbClr val="074888"/>
+                </a:solidFill>
+                <a:latin typeface="Arial" panose="020B0604020202020204" pitchFamily="34" charset="0"/>
+                <a:ea typeface="楷体_GB2312" pitchFamily="1" charset="-122"/>
+              </a:defRPr>
+            </a:lvl8pPr>
+            <a:lvl9pPr marL="1828800" algn="l" rtl="0" fontAlgn="t">
+              <a:lnSpc>
+                <a:spcPts val="3200"/>
+              </a:lnSpc>
+              <a:spcBef>
+                <a:spcPct val="0"/>
+              </a:spcBef>
+              <a:spcAft>
+                <a:spcPct val="0"/>
+              </a:spcAft>
+              <a:buSzPct val="100000"/>
+              <a:buFont typeface="Times New Roman" panose="02020603050405020304" pitchFamily="18" charset="0"/>
+              <a:defRPr sz="4400" b="1">
+                <a:solidFill>
+                  <a:srgbClr val="074888"/>
+                </a:solidFill>
+                <a:latin typeface="Arial" panose="020B0604020202020204" pitchFamily="34" charset="0"/>
+                <a:ea typeface="楷体_GB2312" pitchFamily="1" charset="-122"/>
+              </a:defRPr>
+            </a:lvl9pPr>
+          </a:lstStyle>
+          <a:p>
+            <a:r>
+              <a:rPr lang="en-US" altLang="zh-CN"/>
+              <a:t>HBASE</a:t>
+            </a:r>
+            <a:r>
+              <a:rPr lang="zh-CN" altLang="en-US"/>
+              <a:t>基础知识</a:t>
+            </a:r>
+          </a:p>
+        </p:txBody>
+      </p:sp>
+      <p:pic>
+        <p:nvPicPr>
+          <p:cNvPr id="3" name="Picture 3" descr="HBASE逻辑数据模型"/>
+          <p:cNvPicPr>
+            <a:picLocks noChangeAspect="1" noChangeArrowheads="1"/>
+          </p:cNvPicPr>
+          <p:nvPr/>
+        </p:nvPicPr>
+        <p:blipFill>
+          <a:blip r:embed="rId2">
+            <a:extLst>
+              <a:ext uri="{28A0092B-C50C-407E-A947-70E740481C1C}">
+                <a14:useLocalDpi xmlns:a14="http://schemas.microsoft.com/office/drawing/2010/main" val="0"/>
+              </a:ext>
+            </a:extLst>
+          </a:blip>
+          <a:srcRect/>
+          <a:stretch>
+            <a:fillRect/>
+          </a:stretch>
+        </p:blipFill>
+        <p:spPr bwMode="auto">
+          <a:xfrm>
+            <a:off x="6231731" y="1646238"/>
+            <a:ext cx="4264025" cy="1727200"/>
+          </a:xfrm>
+          <a:prstGeom prst="rect">
+            <a:avLst/>
+          </a:prstGeom>
+          <a:noFill/>
+          <a:ln>
+            <a:noFill/>
+          </a:ln>
+          <a:extLst>
+            <a:ext uri="{909E8E84-426E-40DD-AFC4-6F175D3DCCD1}">
+              <a14:hiddenFill xmlns:a14="http://schemas.microsoft.com/office/drawing/2010/main">
+                <a:solidFill>
+                  <a:schemeClr val="accent1"/>
+                </a:solidFill>
+              </a14:hiddenFill>
+            </a:ext>
+            <a:ext uri="{91240B29-F687-4F45-9708-019B960494DF}">
+              <a14:hiddenLine xmlns:a14="http://schemas.microsoft.com/office/drawing/2010/main" w="9525">
+                <a:solidFill>
+                  <a:srgbClr val="000000"/>
+                </a:solidFill>
+                <a:miter lim="800000"/>
+                <a:headEnd/>
+                <a:tailEnd/>
+              </a14:hiddenLine>
+            </a:ext>
+          </a:extLst>
+        </p:spPr>
+      </p:pic>
+      <p:sp>
+        <p:nvSpPr>
+          <p:cNvPr id="4" name="Text Box 4"/>
+          <p:cNvSpPr txBox="1">
+            <a:spLocks noChangeArrowheads="1"/>
+          </p:cNvSpPr>
+          <p:nvPr/>
+        </p:nvSpPr>
+        <p:spPr bwMode="auto">
+          <a:xfrm>
+            <a:off x="1766094" y="4092576"/>
+            <a:ext cx="4032250" cy="2560637"/>
+          </a:xfrm>
+          <a:prstGeom prst="rect">
+            <a:avLst/>
+          </a:prstGeom>
+          <a:solidFill>
+            <a:srgbClr val="CCFF66"/>
+          </a:solidFill>
+          <a:ln>
+            <a:noFill/>
+          </a:ln>
+          <a:effectLst/>
+          <a:extLst>
+            <a:ext uri="{91240B29-F687-4F45-9708-019B960494DF}">
+              <a14:hiddenLine xmlns:a14="http://schemas.microsoft.com/office/drawing/2010/main" w="9525">
+                <a:solidFill>
+                  <a:srgbClr val="000000"/>
+                </a:solidFill>
+                <a:miter lim="800000"/>
+                <a:headEnd/>
+                <a:tailEnd/>
+              </a14:hiddenLine>
+            </a:ext>
+            <a:ext uri="{AF507438-7753-43E0-B8FC-AC1667EBCBE1}">
+              <a14:hiddenEffects xmlns:a14="http://schemas.microsoft.com/office/drawing/2010/main">
+                <a:effectLst>
+                  <a:outerShdw dist="35921" dir="2700000" algn="ctr" rotWithShape="0">
+                    <a:schemeClr val="bg2"/>
+                  </a:outerShdw>
+                </a:effectLst>
+              </a14:hiddenEffects>
+            </a:ext>
+          </a:extLst>
+        </p:spPr>
+        <p:txBody>
+          <a:bodyPr>
+            <a:spAutoFit/>
+          </a:bodyPr>
+          <a:lstStyle>
+            <a:defPPr>
+              <a:defRPr lang="en-US"/>
+            </a:defPPr>
+            <a:lvl1pPr algn="l" rtl="0" fontAlgn="base">
+              <a:spcBef>
+                <a:spcPct val="0"/>
+              </a:spcBef>
+              <a:spcAft>
+                <a:spcPct val="0"/>
+              </a:spcAft>
+              <a:buSzPct val="100000"/>
+              <a:buFont typeface="Arial" panose="020B0604020202020204" pitchFamily="34" charset="0"/>
+              <a:defRPr sz="2400" kern="1200">
+                <a:solidFill>
+                  <a:schemeClr val="tx1"/>
+                </a:solidFill>
+                <a:latin typeface="Times New Roman" panose="02020603050405020304" pitchFamily="18" charset="0"/>
+                <a:ea typeface="PMingLiU" pitchFamily="2" charset="-120"/>
+                <a:cs typeface="+mn-cs"/>
+              </a:defRPr>
+            </a:lvl1pPr>
+            <a:lvl2pPr marL="457200" algn="l" rtl="0" fontAlgn="base">
+              <a:spcBef>
+                <a:spcPct val="0"/>
+              </a:spcBef>
+              <a:spcAft>
+                <a:spcPct val="0"/>
+              </a:spcAft>
+              <a:buSzPct val="100000"/>
+              <a:buFont typeface="Arial" panose="020B0604020202020204" pitchFamily="34" charset="0"/>
+              <a:defRPr sz="2400" kern="1200">
+                <a:solidFill>
+                  <a:schemeClr val="tx1"/>
+                </a:solidFill>
+                <a:latin typeface="Times New Roman" panose="02020603050405020304" pitchFamily="18" charset="0"/>
+                <a:ea typeface="PMingLiU" pitchFamily="2" charset="-120"/>
+                <a:cs typeface="+mn-cs"/>
+              </a:defRPr>
+            </a:lvl2pPr>
+            <a:lvl3pPr marL="914400" algn="l" rtl="0" fontAlgn="base">
+              <a:spcBef>
+                <a:spcPct val="0"/>
+              </a:spcBef>
+              <a:spcAft>
+                <a:spcPct val="0"/>
+              </a:spcAft>
+              <a:buSzPct val="100000"/>
+              <a:buFont typeface="Arial" panose="020B0604020202020204" pitchFamily="34" charset="0"/>
+              <a:defRPr sz="2400" kern="1200">
+                <a:solidFill>
+                  <a:schemeClr val="tx1"/>
+                </a:solidFill>
+                <a:latin typeface="Times New Roman" panose="02020603050405020304" pitchFamily="18" charset="0"/>
+                <a:ea typeface="PMingLiU" pitchFamily="2" charset="-120"/>
+                <a:cs typeface="+mn-cs"/>
+              </a:defRPr>
+            </a:lvl3pPr>
+            <a:lvl4pPr marL="1371600" algn="l" rtl="0" fontAlgn="base">
+              <a:spcBef>
+                <a:spcPct val="0"/>
+              </a:spcBef>
+              <a:spcAft>
+                <a:spcPct val="0"/>
+              </a:spcAft>
+              <a:buSzPct val="100000"/>
+              <a:buFont typeface="Arial" panose="020B0604020202020204" pitchFamily="34" charset="0"/>
+              <a:defRPr sz="2400" kern="1200">
+                <a:solidFill>
+                  <a:schemeClr val="tx1"/>
+                </a:solidFill>
+                <a:latin typeface="Times New Roman" panose="02020603050405020304" pitchFamily="18" charset="0"/>
+                <a:ea typeface="PMingLiU" pitchFamily="2" charset="-120"/>
+                <a:cs typeface="+mn-cs"/>
+              </a:defRPr>
+            </a:lvl4pPr>
+            <a:lvl5pPr marL="1828800" algn="l" rtl="0" fontAlgn="base">
+              <a:spcBef>
+                <a:spcPct val="0"/>
+              </a:spcBef>
+              <a:spcAft>
+                <a:spcPct val="0"/>
+              </a:spcAft>
+              <a:buSzPct val="100000"/>
+              <a:buFont typeface="Arial" panose="020B0604020202020204" pitchFamily="34" charset="0"/>
+              <a:defRPr sz="2400" kern="1200">
+                <a:solidFill>
+                  <a:schemeClr val="tx1"/>
+                </a:solidFill>
+                <a:latin typeface="Times New Roman" panose="02020603050405020304" pitchFamily="18" charset="0"/>
+                <a:ea typeface="PMingLiU" pitchFamily="2" charset="-120"/>
+                <a:cs typeface="+mn-cs"/>
+              </a:defRPr>
+            </a:lvl5pPr>
+            <a:lvl6pPr marL="2286000" algn="l" defTabSz="914400" rtl="0" eaLnBrk="1" latinLnBrk="0" hangingPunct="1">
+              <a:defRPr sz="2400" kern="1200">
+                <a:solidFill>
+                  <a:schemeClr val="tx1"/>
+                </a:solidFill>
+                <a:latin typeface="Times New Roman" panose="02020603050405020304" pitchFamily="18" charset="0"/>
+                <a:ea typeface="PMingLiU" pitchFamily="2" charset="-120"/>
+                <a:cs typeface="+mn-cs"/>
+              </a:defRPr>
+            </a:lvl6pPr>
+            <a:lvl7pPr marL="2743200" algn="l" defTabSz="914400" rtl="0" eaLnBrk="1" latinLnBrk="0" hangingPunct="1">
+              <a:defRPr sz="2400" kern="1200">
+                <a:solidFill>
+                  <a:schemeClr val="tx1"/>
+                </a:solidFill>
+                <a:latin typeface="Times New Roman" panose="02020603050405020304" pitchFamily="18" charset="0"/>
+                <a:ea typeface="PMingLiU" pitchFamily="2" charset="-120"/>
+                <a:cs typeface="+mn-cs"/>
+              </a:defRPr>
+            </a:lvl7pPr>
+            <a:lvl8pPr marL="3200400" algn="l" defTabSz="914400" rtl="0" eaLnBrk="1" latinLnBrk="0" hangingPunct="1">
+              <a:defRPr sz="2400" kern="1200">
+                <a:solidFill>
+                  <a:schemeClr val="tx1"/>
+                </a:solidFill>
+                <a:latin typeface="Times New Roman" panose="02020603050405020304" pitchFamily="18" charset="0"/>
+                <a:ea typeface="PMingLiU" pitchFamily="2" charset="-120"/>
+                <a:cs typeface="+mn-cs"/>
+              </a:defRPr>
+            </a:lvl8pPr>
+            <a:lvl9pPr marL="3657600" algn="l" defTabSz="914400" rtl="0" eaLnBrk="1" latinLnBrk="0" hangingPunct="1">
+              <a:defRPr sz="2400" kern="1200">
+                <a:solidFill>
+                  <a:schemeClr val="tx1"/>
+                </a:solidFill>
+                <a:latin typeface="Times New Roman" panose="02020603050405020304" pitchFamily="18" charset="0"/>
+                <a:ea typeface="PMingLiU" pitchFamily="2" charset="-120"/>
+                <a:cs typeface="+mn-cs"/>
+              </a:defRPr>
+            </a:lvl9pPr>
+          </a:lstStyle>
+          <a:p>
+            <a:r>
+              <a:rPr lang="en-US" altLang="zh-CN" sz="1800">
+                <a:latin typeface="Arial" panose="020B0604020202020204" pitchFamily="34" charset="0"/>
+                <a:ea typeface="宋体" panose="02010600030101010101" pitchFamily="2" charset="-122"/>
+              </a:rPr>
+              <a:t>HBASE</a:t>
+            </a:r>
+            <a:r>
+              <a:rPr lang="zh-CN" altLang="en-US" sz="1800">
+                <a:latin typeface="Arial" panose="020B0604020202020204" pitchFamily="34" charset="0"/>
+                <a:ea typeface="宋体" panose="02010600030101010101" pitchFamily="2" charset="-122"/>
+              </a:rPr>
+              <a:t>中的每一张表，就是所谓的</a:t>
+            </a:r>
+            <a:r>
+              <a:rPr lang="en-US" altLang="zh-CN" sz="1800">
+                <a:latin typeface="Arial" panose="020B0604020202020204" pitchFamily="34" charset="0"/>
+                <a:ea typeface="宋体" panose="02010600030101010101" pitchFamily="2" charset="-122"/>
+              </a:rPr>
+              <a:t>BigTable</a:t>
+            </a:r>
+            <a:r>
+              <a:rPr lang="zh-CN" altLang="en-US" sz="1800">
+                <a:latin typeface="Arial" panose="020B0604020202020204" pitchFamily="34" charset="0"/>
+                <a:ea typeface="宋体" panose="02010600030101010101" pitchFamily="2" charset="-122"/>
+              </a:rPr>
+              <a:t>。稀疏表。</a:t>
+            </a:r>
+          </a:p>
+          <a:p>
+            <a:r>
+              <a:rPr lang="en-US" altLang="zh-CN" sz="1800" b="1">
+                <a:latin typeface="Cambria" panose="02040503050406030204" pitchFamily="18" charset="0"/>
+                <a:ea typeface="宋体" panose="02010600030101010101" pitchFamily="2" charset="-122"/>
+              </a:rPr>
+              <a:t>RowKey </a:t>
+            </a:r>
+            <a:r>
+              <a:rPr lang="zh-CN" altLang="en-US" sz="1800" b="1">
+                <a:latin typeface="Cambria" panose="02040503050406030204" pitchFamily="18" charset="0"/>
+                <a:ea typeface="宋体" panose="02010600030101010101" pitchFamily="2" charset="-122"/>
+              </a:rPr>
+              <a:t>和 </a:t>
+            </a:r>
+            <a:r>
+              <a:rPr lang="en-US" altLang="zh-CN" sz="1800" b="1">
+                <a:latin typeface="Cambria" panose="02040503050406030204" pitchFamily="18" charset="0"/>
+                <a:ea typeface="宋体" panose="02010600030101010101" pitchFamily="2" charset="-122"/>
+              </a:rPr>
+              <a:t>ColumnKey</a:t>
+            </a:r>
+            <a:r>
+              <a:rPr lang="en-US" altLang="zh-CN" sz="1800">
+                <a:latin typeface="Arial" panose="020B0604020202020204" pitchFamily="34" charset="0"/>
+                <a:ea typeface="宋体" panose="02010600030101010101" pitchFamily="2" charset="-122"/>
+              </a:rPr>
+              <a:t> </a:t>
+            </a:r>
+            <a:r>
+              <a:rPr lang="zh-CN" altLang="en-US" sz="1800">
+                <a:latin typeface="Arial" panose="020B0604020202020204" pitchFamily="34" charset="0"/>
+                <a:ea typeface="宋体" panose="02010600030101010101" pitchFamily="2" charset="-122"/>
+              </a:rPr>
+              <a:t>是二进制值</a:t>
+            </a:r>
+            <a:r>
+              <a:rPr lang="en-US" altLang="zh-CN" sz="1800">
+                <a:latin typeface="Arial" panose="020B0604020202020204" pitchFamily="34" charset="0"/>
+                <a:ea typeface="宋体" panose="02010600030101010101" pitchFamily="2" charset="-122"/>
+              </a:rPr>
+              <a:t>byte[]</a:t>
+            </a:r>
+            <a:r>
+              <a:rPr lang="zh-CN" altLang="en-US" sz="1800">
+                <a:latin typeface="Arial" panose="020B0604020202020204" pitchFamily="34" charset="0"/>
+                <a:ea typeface="宋体" panose="02010600030101010101" pitchFamily="2" charset="-122"/>
+              </a:rPr>
+              <a:t>，按字典顺序排序；</a:t>
+            </a:r>
+          </a:p>
+          <a:p>
+            <a:r>
+              <a:rPr lang="en-US" altLang="zh-CN" sz="1800" b="1">
+                <a:latin typeface="Cambria" panose="02040503050406030204" pitchFamily="18" charset="0"/>
+                <a:ea typeface="宋体" panose="02010600030101010101" pitchFamily="2" charset="-122"/>
+                <a:sym typeface="Arial" panose="020B0604020202020204" pitchFamily="34" charset="0"/>
+              </a:rPr>
+              <a:t>Timestamp</a:t>
+            </a:r>
+            <a:r>
+              <a:rPr lang="en-US" altLang="zh-CN" sz="1800">
+                <a:latin typeface="Arial" panose="020B0604020202020204" pitchFamily="34" charset="0"/>
+                <a:ea typeface="宋体" panose="02010600030101010101" pitchFamily="2" charset="-122"/>
+              </a:rPr>
+              <a:t> </a:t>
+            </a:r>
+            <a:r>
+              <a:rPr lang="zh-CN" altLang="en-US" sz="1800">
+                <a:latin typeface="Arial" panose="020B0604020202020204" pitchFamily="34" charset="0"/>
+                <a:ea typeface="宋体" panose="02010600030101010101" pitchFamily="2" charset="-122"/>
+              </a:rPr>
+              <a:t>是一个 </a:t>
+            </a:r>
+            <a:r>
+              <a:rPr lang="en-US" altLang="zh-CN" sz="1800">
+                <a:latin typeface="Arial" panose="020B0604020202020204" pitchFamily="34" charset="0"/>
+                <a:ea typeface="宋体" panose="02010600030101010101" pitchFamily="2" charset="-122"/>
+              </a:rPr>
+              <a:t>64 </a:t>
+            </a:r>
+            <a:r>
+              <a:rPr lang="zh-CN" altLang="en-US" sz="1800">
+                <a:latin typeface="Arial" panose="020B0604020202020204" pitchFamily="34" charset="0"/>
+                <a:ea typeface="宋体" panose="02010600030101010101" pitchFamily="2" charset="-122"/>
+              </a:rPr>
+              <a:t>位整数；</a:t>
+            </a:r>
+          </a:p>
+          <a:p>
+            <a:r>
+              <a:rPr lang="en-US" altLang="zh-CN" sz="1800" b="1">
+                <a:latin typeface="Cambria" panose="02040503050406030204" pitchFamily="18" charset="0"/>
+                <a:ea typeface="宋体" panose="02010600030101010101" pitchFamily="2" charset="-122"/>
+                <a:sym typeface="Arial" panose="020B0604020202020204" pitchFamily="34" charset="0"/>
+              </a:rPr>
+              <a:t>value</a:t>
+            </a:r>
+            <a:r>
+              <a:rPr lang="en-US" altLang="zh-CN" sz="1800">
+                <a:latin typeface="Arial" panose="020B0604020202020204" pitchFamily="34" charset="0"/>
+                <a:ea typeface="宋体" panose="02010600030101010101" pitchFamily="2" charset="-122"/>
+              </a:rPr>
+              <a:t> </a:t>
+            </a:r>
+            <a:r>
+              <a:rPr lang="zh-CN" altLang="en-US" sz="1800">
+                <a:latin typeface="Arial" panose="020B0604020202020204" pitchFamily="34" charset="0"/>
+                <a:ea typeface="宋体" panose="02010600030101010101" pitchFamily="2" charset="-122"/>
+              </a:rPr>
+              <a:t>是一个未解释的字节数组</a:t>
+            </a:r>
+            <a:r>
+              <a:rPr lang="en-US" altLang="zh-CN" sz="1800">
+                <a:latin typeface="Arial" panose="020B0604020202020204" pitchFamily="34" charset="0"/>
+                <a:ea typeface="宋体" panose="02010600030101010101" pitchFamily="2" charset="-122"/>
+              </a:rPr>
+              <a:t>byte[]</a:t>
+            </a:r>
+            <a:r>
+              <a:rPr lang="zh-CN" altLang="en-US" sz="1800">
+                <a:latin typeface="Arial" panose="020B0604020202020204" pitchFamily="34" charset="0"/>
+                <a:ea typeface="宋体" panose="02010600030101010101" pitchFamily="2" charset="-122"/>
+              </a:rPr>
+              <a:t>。</a:t>
+            </a:r>
+          </a:p>
+          <a:p>
+            <a:endParaRPr lang="zh-CN" altLang="en-US" sz="1800">
+              <a:latin typeface="Arial" panose="020B0604020202020204" pitchFamily="34" charset="0"/>
+              <a:ea typeface="宋体" panose="02010600030101010101" pitchFamily="2" charset="-122"/>
+            </a:endParaRPr>
+          </a:p>
+          <a:p>
+            <a:r>
+              <a:rPr lang="zh-CN" altLang="en-US" sz="1800">
+                <a:latin typeface="Arial" panose="020B0604020202020204" pitchFamily="34" charset="0"/>
+                <a:ea typeface="宋体" panose="02010600030101010101" pitchFamily="2" charset="-122"/>
+              </a:rPr>
+              <a:t>表中的不同行可以拥有不同数量的成员。即支持“动态模式“模型</a:t>
+            </a:r>
+          </a:p>
+        </p:txBody>
+      </p:sp>
+      <p:sp>
+        <p:nvSpPr>
+          <p:cNvPr id="5" name="Text Box 5"/>
+          <p:cNvSpPr txBox="1">
+            <a:spLocks noChangeArrowheads="1"/>
+          </p:cNvSpPr>
+          <p:nvPr/>
+        </p:nvSpPr>
+        <p:spPr bwMode="auto">
+          <a:xfrm>
+            <a:off x="6230144" y="1141413"/>
+            <a:ext cx="2052637" cy="365125"/>
+          </a:xfrm>
+          <a:prstGeom prst="rect">
+            <a:avLst/>
+          </a:prstGeom>
+          <a:solidFill>
+            <a:srgbClr val="CC99FF"/>
+          </a:solidFill>
+          <a:ln>
+            <a:noFill/>
+          </a:ln>
+          <a:effectLst/>
+          <a:extLst>
+            <a:ext uri="{91240B29-F687-4F45-9708-019B960494DF}">
+              <a14:hiddenLine xmlns:a14="http://schemas.microsoft.com/office/drawing/2010/main" w="9525">
+                <a:solidFill>
+                  <a:srgbClr val="000000"/>
+                </a:solidFill>
+                <a:miter lim="800000"/>
+                <a:headEnd/>
+                <a:tailEnd/>
+              </a14:hiddenLine>
+            </a:ext>
+            <a:ext uri="{AF507438-7753-43E0-B8FC-AC1667EBCBE1}">
+              <a14:hiddenEffects xmlns:a14="http://schemas.microsoft.com/office/drawing/2010/main">
+                <a:effectLst>
+                  <a:outerShdw dist="35921" dir="2700000" algn="ctr" rotWithShape="0">
+                    <a:schemeClr val="bg2"/>
+                  </a:outerShdw>
+                </a:effectLst>
+              </a14:hiddenEffects>
+            </a:ext>
+          </a:extLst>
+        </p:spPr>
+        <p:txBody>
+          <a:bodyPr>
+            <a:spAutoFit/>
+          </a:bodyPr>
+          <a:lstStyle>
+            <a:defPPr>
+              <a:defRPr lang="en-US"/>
+            </a:defPPr>
+            <a:lvl1pPr algn="l" rtl="0" fontAlgn="base">
+              <a:spcBef>
+                <a:spcPct val="0"/>
+              </a:spcBef>
+              <a:spcAft>
+                <a:spcPct val="0"/>
+              </a:spcAft>
+              <a:buSzPct val="100000"/>
+              <a:buFont typeface="Arial" panose="020B0604020202020204" pitchFamily="34" charset="0"/>
+              <a:defRPr sz="2400" kern="1200">
+                <a:solidFill>
+                  <a:schemeClr val="tx1"/>
+                </a:solidFill>
+                <a:latin typeface="Times New Roman" panose="02020603050405020304" pitchFamily="18" charset="0"/>
+                <a:ea typeface="PMingLiU" pitchFamily="2" charset="-120"/>
+                <a:cs typeface="+mn-cs"/>
+              </a:defRPr>
+            </a:lvl1pPr>
+            <a:lvl2pPr marL="457200" algn="l" rtl="0" fontAlgn="base">
+              <a:spcBef>
+                <a:spcPct val="0"/>
+              </a:spcBef>
+              <a:spcAft>
+                <a:spcPct val="0"/>
+              </a:spcAft>
+              <a:buSzPct val="100000"/>
+              <a:buFont typeface="Arial" panose="020B0604020202020204" pitchFamily="34" charset="0"/>
+              <a:defRPr sz="2400" kern="1200">
+                <a:solidFill>
+                  <a:schemeClr val="tx1"/>
+                </a:solidFill>
+                <a:latin typeface="Times New Roman" panose="02020603050405020304" pitchFamily="18" charset="0"/>
+                <a:ea typeface="PMingLiU" pitchFamily="2" charset="-120"/>
+                <a:cs typeface="+mn-cs"/>
+              </a:defRPr>
+            </a:lvl2pPr>
+            <a:lvl3pPr marL="914400" algn="l" rtl="0" fontAlgn="base">
+              <a:spcBef>
+                <a:spcPct val="0"/>
+              </a:spcBef>
+              <a:spcAft>
+                <a:spcPct val="0"/>
+              </a:spcAft>
+              <a:buSzPct val="100000"/>
+              <a:buFont typeface="Arial" panose="020B0604020202020204" pitchFamily="34" charset="0"/>
+              <a:defRPr sz="2400" kern="1200">
+                <a:solidFill>
+                  <a:schemeClr val="tx1"/>
+                </a:solidFill>
+                <a:latin typeface="Times New Roman" panose="02020603050405020304" pitchFamily="18" charset="0"/>
+                <a:ea typeface="PMingLiU" pitchFamily="2" charset="-120"/>
+                <a:cs typeface="+mn-cs"/>
+              </a:defRPr>
+            </a:lvl3pPr>
+            <a:lvl4pPr marL="1371600" algn="l" rtl="0" fontAlgn="base">
+              <a:spcBef>
+                <a:spcPct val="0"/>
+              </a:spcBef>
+              <a:spcAft>
+                <a:spcPct val="0"/>
+              </a:spcAft>
+              <a:buSzPct val="100000"/>
+              <a:buFont typeface="Arial" panose="020B0604020202020204" pitchFamily="34" charset="0"/>
+              <a:defRPr sz="2400" kern="1200">
+                <a:solidFill>
+                  <a:schemeClr val="tx1"/>
+                </a:solidFill>
+                <a:latin typeface="Times New Roman" panose="02020603050405020304" pitchFamily="18" charset="0"/>
+                <a:ea typeface="PMingLiU" pitchFamily="2" charset="-120"/>
+                <a:cs typeface="+mn-cs"/>
+              </a:defRPr>
+            </a:lvl4pPr>
+            <a:lvl5pPr marL="1828800" algn="l" rtl="0" fontAlgn="base">
+              <a:spcBef>
+                <a:spcPct val="0"/>
+              </a:spcBef>
+              <a:spcAft>
+                <a:spcPct val="0"/>
+              </a:spcAft>
+              <a:buSzPct val="100000"/>
+              <a:buFont typeface="Arial" panose="020B0604020202020204" pitchFamily="34" charset="0"/>
+              <a:defRPr sz="2400" kern="1200">
+                <a:solidFill>
+                  <a:schemeClr val="tx1"/>
+                </a:solidFill>
+                <a:latin typeface="Times New Roman" panose="02020603050405020304" pitchFamily="18" charset="0"/>
+                <a:ea typeface="PMingLiU" pitchFamily="2" charset="-120"/>
+                <a:cs typeface="+mn-cs"/>
+              </a:defRPr>
+            </a:lvl5pPr>
+            <a:lvl6pPr marL="2286000" algn="l" defTabSz="914400" rtl="0" eaLnBrk="1" latinLnBrk="0" hangingPunct="1">
+              <a:defRPr sz="2400" kern="1200">
+                <a:solidFill>
+                  <a:schemeClr val="tx1"/>
+                </a:solidFill>
+                <a:latin typeface="Times New Roman" panose="02020603050405020304" pitchFamily="18" charset="0"/>
+                <a:ea typeface="PMingLiU" pitchFamily="2" charset="-120"/>
+                <a:cs typeface="+mn-cs"/>
+              </a:defRPr>
+            </a:lvl6pPr>
+            <a:lvl7pPr marL="2743200" algn="l" defTabSz="914400" rtl="0" eaLnBrk="1" latinLnBrk="0" hangingPunct="1">
+              <a:defRPr sz="2400" kern="1200">
+                <a:solidFill>
+                  <a:schemeClr val="tx1"/>
+                </a:solidFill>
+                <a:latin typeface="Times New Roman" panose="02020603050405020304" pitchFamily="18" charset="0"/>
+                <a:ea typeface="PMingLiU" pitchFamily="2" charset="-120"/>
+                <a:cs typeface="+mn-cs"/>
+              </a:defRPr>
+            </a:lvl7pPr>
+            <a:lvl8pPr marL="3200400" algn="l" defTabSz="914400" rtl="0" eaLnBrk="1" latinLnBrk="0" hangingPunct="1">
+              <a:defRPr sz="2400" kern="1200">
+                <a:solidFill>
+                  <a:schemeClr val="tx1"/>
+                </a:solidFill>
+                <a:latin typeface="Times New Roman" panose="02020603050405020304" pitchFamily="18" charset="0"/>
+                <a:ea typeface="PMingLiU" pitchFamily="2" charset="-120"/>
+                <a:cs typeface="+mn-cs"/>
+              </a:defRPr>
+            </a:lvl8pPr>
+            <a:lvl9pPr marL="3657600" algn="l" defTabSz="914400" rtl="0" eaLnBrk="1" latinLnBrk="0" hangingPunct="1">
+              <a:defRPr sz="2400" kern="1200">
+                <a:solidFill>
+                  <a:schemeClr val="tx1"/>
+                </a:solidFill>
+                <a:latin typeface="Times New Roman" panose="02020603050405020304" pitchFamily="18" charset="0"/>
+                <a:ea typeface="PMingLiU" pitchFamily="2" charset="-120"/>
+                <a:cs typeface="+mn-cs"/>
+              </a:defRPr>
+            </a:lvl9pPr>
+          </a:lstStyle>
+          <a:p>
+            <a:r>
+              <a:rPr lang="zh-CN" altLang="en-US" sz="1800">
+                <a:latin typeface="Arial" panose="020B0604020202020204" pitchFamily="34" charset="0"/>
+                <a:ea typeface="宋体" panose="02010600030101010101" pitchFamily="2" charset="-122"/>
+              </a:rPr>
+              <a:t>逻辑数据模型</a:t>
+            </a:r>
+          </a:p>
+        </p:txBody>
+      </p:sp>
+      <p:pic>
+        <p:nvPicPr>
+          <p:cNvPr id="6" name="Picture 6" descr="HBASE物理数据模型"/>
+          <p:cNvPicPr>
+            <a:picLocks noChangeAspect="1" noChangeArrowheads="1"/>
+          </p:cNvPicPr>
+          <p:nvPr/>
+        </p:nvPicPr>
+        <p:blipFill>
+          <a:blip r:embed="rId3">
+            <a:extLst>
+              <a:ext uri="{28A0092B-C50C-407E-A947-70E740481C1C}">
+                <a14:useLocalDpi xmlns:a14="http://schemas.microsoft.com/office/drawing/2010/main" val="0"/>
+              </a:ext>
+            </a:extLst>
+          </a:blip>
+          <a:srcRect/>
+          <a:stretch>
+            <a:fillRect/>
+          </a:stretch>
+        </p:blipFill>
+        <p:spPr bwMode="auto">
+          <a:xfrm>
+            <a:off x="6230144" y="3876676"/>
+            <a:ext cx="2881312" cy="2611437"/>
+          </a:xfrm>
+          <a:prstGeom prst="rect">
+            <a:avLst/>
+          </a:prstGeom>
+          <a:noFill/>
+          <a:ln>
+            <a:noFill/>
+          </a:ln>
+          <a:extLst>
+            <a:ext uri="{909E8E84-426E-40DD-AFC4-6F175D3DCCD1}">
+              <a14:hiddenFill xmlns:a14="http://schemas.microsoft.com/office/drawing/2010/main">
+                <a:solidFill>
+                  <a:schemeClr val="accent1"/>
+                </a:solidFill>
+              </a14:hiddenFill>
+            </a:ext>
+            <a:ext uri="{91240B29-F687-4F45-9708-019B960494DF}">
+              <a14:hiddenLine xmlns:a14="http://schemas.microsoft.com/office/drawing/2010/main" w="9525">
+                <a:solidFill>
+                  <a:srgbClr val="000000"/>
+                </a:solidFill>
+                <a:miter lim="800000"/>
+                <a:headEnd/>
+                <a:tailEnd/>
+              </a14:hiddenLine>
+            </a:ext>
+          </a:extLst>
+        </p:spPr>
+      </p:pic>
+      <p:sp>
+        <p:nvSpPr>
+          <p:cNvPr id="7" name="Text Box 7"/>
+          <p:cNvSpPr txBox="1">
+            <a:spLocks noChangeArrowheads="1"/>
+          </p:cNvSpPr>
+          <p:nvPr/>
+        </p:nvSpPr>
+        <p:spPr bwMode="auto">
+          <a:xfrm>
+            <a:off x="6230144" y="3444876"/>
+            <a:ext cx="2052637" cy="365125"/>
+          </a:xfrm>
+          <a:prstGeom prst="rect">
+            <a:avLst/>
+          </a:prstGeom>
+          <a:solidFill>
+            <a:srgbClr val="CC99FF"/>
+          </a:solidFill>
+          <a:ln>
+            <a:noFill/>
+          </a:ln>
+          <a:effectLst/>
+          <a:extLst>
+            <a:ext uri="{91240B29-F687-4F45-9708-019B960494DF}">
+              <a14:hiddenLine xmlns:a14="http://schemas.microsoft.com/office/drawing/2010/main" w="9525">
+                <a:solidFill>
+                  <a:srgbClr val="000000"/>
+                </a:solidFill>
+                <a:miter lim="800000"/>
+                <a:headEnd/>
+                <a:tailEnd/>
+              </a14:hiddenLine>
+            </a:ext>
+            <a:ext uri="{AF507438-7753-43E0-B8FC-AC1667EBCBE1}">
+              <a14:hiddenEffects xmlns:a14="http://schemas.microsoft.com/office/drawing/2010/main">
+                <a:effectLst>
+                  <a:outerShdw dist="35921" dir="2700000" algn="ctr" rotWithShape="0">
+                    <a:schemeClr val="bg2"/>
+                  </a:outerShdw>
+                </a:effectLst>
+              </a14:hiddenEffects>
+            </a:ext>
+          </a:extLst>
+        </p:spPr>
+        <p:txBody>
+          <a:bodyPr>
+            <a:spAutoFit/>
+          </a:bodyPr>
+          <a:lstStyle>
+            <a:defPPr>
+              <a:defRPr lang="en-US"/>
+            </a:defPPr>
+            <a:lvl1pPr algn="l" rtl="0" fontAlgn="base">
+              <a:spcBef>
+                <a:spcPct val="0"/>
+              </a:spcBef>
+              <a:spcAft>
+                <a:spcPct val="0"/>
+              </a:spcAft>
+              <a:buSzPct val="100000"/>
+              <a:buFont typeface="Arial" panose="020B0604020202020204" pitchFamily="34" charset="0"/>
+              <a:defRPr sz="2400" kern="1200">
+                <a:solidFill>
+                  <a:schemeClr val="tx1"/>
+                </a:solidFill>
+                <a:latin typeface="Times New Roman" panose="02020603050405020304" pitchFamily="18" charset="0"/>
+                <a:ea typeface="PMingLiU" pitchFamily="2" charset="-120"/>
+                <a:cs typeface="+mn-cs"/>
+              </a:defRPr>
+            </a:lvl1pPr>
+            <a:lvl2pPr marL="457200" algn="l" rtl="0" fontAlgn="base">
+              <a:spcBef>
+                <a:spcPct val="0"/>
+              </a:spcBef>
+              <a:spcAft>
+                <a:spcPct val="0"/>
+              </a:spcAft>
+              <a:buSzPct val="100000"/>
+              <a:buFont typeface="Arial" panose="020B0604020202020204" pitchFamily="34" charset="0"/>
+              <a:defRPr sz="2400" kern="1200">
+                <a:solidFill>
+                  <a:schemeClr val="tx1"/>
+                </a:solidFill>
+                <a:latin typeface="Times New Roman" panose="02020603050405020304" pitchFamily="18" charset="0"/>
+                <a:ea typeface="PMingLiU" pitchFamily="2" charset="-120"/>
+                <a:cs typeface="+mn-cs"/>
+              </a:defRPr>
+            </a:lvl2pPr>
+            <a:lvl3pPr marL="914400" algn="l" rtl="0" fontAlgn="base">
+              <a:spcBef>
+                <a:spcPct val="0"/>
+              </a:spcBef>
+              <a:spcAft>
+                <a:spcPct val="0"/>
+              </a:spcAft>
+              <a:buSzPct val="100000"/>
+              <a:buFont typeface="Arial" panose="020B0604020202020204" pitchFamily="34" charset="0"/>
+              <a:defRPr sz="2400" kern="1200">
+                <a:solidFill>
+                  <a:schemeClr val="tx1"/>
+                </a:solidFill>
+                <a:latin typeface="Times New Roman" panose="02020603050405020304" pitchFamily="18" charset="0"/>
+                <a:ea typeface="PMingLiU" pitchFamily="2" charset="-120"/>
+                <a:cs typeface="+mn-cs"/>
+              </a:defRPr>
+            </a:lvl3pPr>
+            <a:lvl4pPr marL="1371600" algn="l" rtl="0" fontAlgn="base">
+              <a:spcBef>
+                <a:spcPct val="0"/>
+              </a:spcBef>
+              <a:spcAft>
+                <a:spcPct val="0"/>
+              </a:spcAft>
+              <a:buSzPct val="100000"/>
+              <a:buFont typeface="Arial" panose="020B0604020202020204" pitchFamily="34" charset="0"/>
+              <a:defRPr sz="2400" kern="1200">
+                <a:solidFill>
+                  <a:schemeClr val="tx1"/>
+                </a:solidFill>
+                <a:latin typeface="Times New Roman" panose="02020603050405020304" pitchFamily="18" charset="0"/>
+                <a:ea typeface="PMingLiU" pitchFamily="2" charset="-120"/>
+                <a:cs typeface="+mn-cs"/>
+              </a:defRPr>
+            </a:lvl4pPr>
+            <a:lvl5pPr marL="1828800" algn="l" rtl="0" fontAlgn="base">
+              <a:spcBef>
+                <a:spcPct val="0"/>
+              </a:spcBef>
+              <a:spcAft>
+                <a:spcPct val="0"/>
+              </a:spcAft>
+              <a:buSzPct val="100000"/>
+              <a:buFont typeface="Arial" panose="020B0604020202020204" pitchFamily="34" charset="0"/>
+              <a:defRPr sz="2400" kern="1200">
+                <a:solidFill>
+                  <a:schemeClr val="tx1"/>
+                </a:solidFill>
+                <a:latin typeface="Times New Roman" panose="02020603050405020304" pitchFamily="18" charset="0"/>
+                <a:ea typeface="PMingLiU" pitchFamily="2" charset="-120"/>
+                <a:cs typeface="+mn-cs"/>
+              </a:defRPr>
+            </a:lvl5pPr>
+            <a:lvl6pPr marL="2286000" algn="l" defTabSz="914400" rtl="0" eaLnBrk="1" latinLnBrk="0" hangingPunct="1">
+              <a:defRPr sz="2400" kern="1200">
+                <a:solidFill>
+                  <a:schemeClr val="tx1"/>
+                </a:solidFill>
+                <a:latin typeface="Times New Roman" panose="02020603050405020304" pitchFamily="18" charset="0"/>
+                <a:ea typeface="PMingLiU" pitchFamily="2" charset="-120"/>
+                <a:cs typeface="+mn-cs"/>
+              </a:defRPr>
+            </a:lvl6pPr>
+            <a:lvl7pPr marL="2743200" algn="l" defTabSz="914400" rtl="0" eaLnBrk="1" latinLnBrk="0" hangingPunct="1">
+              <a:defRPr sz="2400" kern="1200">
+                <a:solidFill>
+                  <a:schemeClr val="tx1"/>
+                </a:solidFill>
+                <a:latin typeface="Times New Roman" panose="02020603050405020304" pitchFamily="18" charset="0"/>
+                <a:ea typeface="PMingLiU" pitchFamily="2" charset="-120"/>
+                <a:cs typeface="+mn-cs"/>
+              </a:defRPr>
+            </a:lvl7pPr>
+            <a:lvl8pPr marL="3200400" algn="l" defTabSz="914400" rtl="0" eaLnBrk="1" latinLnBrk="0" hangingPunct="1">
+              <a:defRPr sz="2400" kern="1200">
+                <a:solidFill>
+                  <a:schemeClr val="tx1"/>
+                </a:solidFill>
+                <a:latin typeface="Times New Roman" panose="02020603050405020304" pitchFamily="18" charset="0"/>
+                <a:ea typeface="PMingLiU" pitchFamily="2" charset="-120"/>
+                <a:cs typeface="+mn-cs"/>
+              </a:defRPr>
+            </a:lvl8pPr>
+            <a:lvl9pPr marL="3657600" algn="l" defTabSz="914400" rtl="0" eaLnBrk="1" latinLnBrk="0" hangingPunct="1">
+              <a:defRPr sz="2400" kern="1200">
+                <a:solidFill>
+                  <a:schemeClr val="tx1"/>
+                </a:solidFill>
+                <a:latin typeface="Times New Roman" panose="02020603050405020304" pitchFamily="18" charset="0"/>
+                <a:ea typeface="PMingLiU" pitchFamily="2" charset="-120"/>
+                <a:cs typeface="+mn-cs"/>
+              </a:defRPr>
+            </a:lvl9pPr>
+          </a:lstStyle>
+          <a:p>
+            <a:r>
+              <a:rPr lang="zh-CN" altLang="en-US" sz="1800">
+                <a:latin typeface="Arial" panose="020B0604020202020204" pitchFamily="34" charset="0"/>
+                <a:ea typeface="宋体" panose="02010600030101010101" pitchFamily="2" charset="-122"/>
+              </a:rPr>
+              <a:t>物理数据模型</a:t>
+            </a:r>
+          </a:p>
+        </p:txBody>
+      </p:sp>
+      <p:sp>
+        <p:nvSpPr>
+          <p:cNvPr id="8" name="Text Box 8"/>
+          <p:cNvSpPr txBox="1">
+            <a:spLocks noChangeArrowheads="1"/>
+          </p:cNvSpPr>
+          <p:nvPr/>
+        </p:nvSpPr>
+        <p:spPr bwMode="auto">
+          <a:xfrm>
+            <a:off x="9109869" y="3589338"/>
+            <a:ext cx="1387475" cy="1563688"/>
+          </a:xfrm>
+          <a:prstGeom prst="rect">
+            <a:avLst/>
+          </a:prstGeom>
+          <a:noFill/>
+          <a:ln w="9525" cmpd="sng">
+            <a:solidFill>
+              <a:srgbClr val="FF3300"/>
+            </a:solidFill>
+            <a:miter lim="800000"/>
+            <a:headEnd/>
+            <a:tailEnd/>
+          </a:ln>
+          <a:effectLst/>
+          <a:extLst>
+            <a:ext uri="{909E8E84-426E-40DD-AFC4-6F175D3DCCD1}">
+              <a14:hiddenFill xmlns:a14="http://schemas.microsoft.com/office/drawing/2010/main">
+                <a:solidFill>
+                  <a:schemeClr val="accent1"/>
+                </a:solidFill>
+              </a14:hiddenFill>
+            </a:ext>
+            <a:ext uri="{AF507438-7753-43E0-B8FC-AC1667EBCBE1}">
+              <a14:hiddenEffects xmlns:a14="http://schemas.microsoft.com/office/drawing/2010/main">
+                <a:effectLst>
+                  <a:outerShdw dist="35921" dir="2700000" algn="ctr" rotWithShape="0">
+                    <a:schemeClr val="bg2"/>
+                  </a:outerShdw>
+                </a:effectLst>
+              </a14:hiddenEffects>
+            </a:ext>
+          </a:extLst>
+        </p:spPr>
+        <p:txBody>
+          <a:bodyPr>
+            <a:spAutoFit/>
+          </a:bodyPr>
+          <a:lstStyle>
+            <a:defPPr>
+              <a:defRPr lang="en-US"/>
+            </a:defPPr>
+            <a:lvl1pPr algn="l" rtl="0" fontAlgn="base">
+              <a:spcBef>
+                <a:spcPct val="0"/>
+              </a:spcBef>
+              <a:spcAft>
+                <a:spcPct val="0"/>
+              </a:spcAft>
+              <a:buSzPct val="100000"/>
+              <a:buFont typeface="Arial" panose="020B0604020202020204" pitchFamily="34" charset="0"/>
+              <a:defRPr sz="2400" kern="1200">
+                <a:solidFill>
+                  <a:schemeClr val="tx1"/>
+                </a:solidFill>
+                <a:latin typeface="Times New Roman" panose="02020603050405020304" pitchFamily="18" charset="0"/>
+                <a:ea typeface="PMingLiU" pitchFamily="2" charset="-120"/>
+                <a:cs typeface="+mn-cs"/>
+              </a:defRPr>
+            </a:lvl1pPr>
+            <a:lvl2pPr marL="457200" algn="l" rtl="0" fontAlgn="base">
+              <a:spcBef>
+                <a:spcPct val="0"/>
+              </a:spcBef>
+              <a:spcAft>
+                <a:spcPct val="0"/>
+              </a:spcAft>
+              <a:buSzPct val="100000"/>
+              <a:buFont typeface="Arial" panose="020B0604020202020204" pitchFamily="34" charset="0"/>
+              <a:defRPr sz="2400" kern="1200">
+                <a:solidFill>
+                  <a:schemeClr val="tx1"/>
+                </a:solidFill>
+                <a:latin typeface="Times New Roman" panose="02020603050405020304" pitchFamily="18" charset="0"/>
+                <a:ea typeface="PMingLiU" pitchFamily="2" charset="-120"/>
+                <a:cs typeface="+mn-cs"/>
+              </a:defRPr>
+            </a:lvl2pPr>
+            <a:lvl3pPr marL="914400" algn="l" rtl="0" fontAlgn="base">
+              <a:spcBef>
+                <a:spcPct val="0"/>
+              </a:spcBef>
+              <a:spcAft>
+                <a:spcPct val="0"/>
+              </a:spcAft>
+              <a:buSzPct val="100000"/>
+              <a:buFont typeface="Arial" panose="020B0604020202020204" pitchFamily="34" charset="0"/>
+              <a:defRPr sz="2400" kern="1200">
+                <a:solidFill>
+                  <a:schemeClr val="tx1"/>
+                </a:solidFill>
+                <a:latin typeface="Times New Roman" panose="02020603050405020304" pitchFamily="18" charset="0"/>
+                <a:ea typeface="PMingLiU" pitchFamily="2" charset="-120"/>
+                <a:cs typeface="+mn-cs"/>
+              </a:defRPr>
+            </a:lvl3pPr>
+            <a:lvl4pPr marL="1371600" algn="l" rtl="0" fontAlgn="base">
+              <a:spcBef>
+                <a:spcPct val="0"/>
+              </a:spcBef>
+              <a:spcAft>
+                <a:spcPct val="0"/>
+              </a:spcAft>
+              <a:buSzPct val="100000"/>
+              <a:buFont typeface="Arial" panose="020B0604020202020204" pitchFamily="34" charset="0"/>
+              <a:defRPr sz="2400" kern="1200">
+                <a:solidFill>
+                  <a:schemeClr val="tx1"/>
+                </a:solidFill>
+                <a:latin typeface="Times New Roman" panose="02020603050405020304" pitchFamily="18" charset="0"/>
+                <a:ea typeface="PMingLiU" pitchFamily="2" charset="-120"/>
+                <a:cs typeface="+mn-cs"/>
+              </a:defRPr>
+            </a:lvl4pPr>
+            <a:lvl5pPr marL="1828800" algn="l" rtl="0" fontAlgn="base">
+              <a:spcBef>
+                <a:spcPct val="0"/>
+              </a:spcBef>
+              <a:spcAft>
+                <a:spcPct val="0"/>
+              </a:spcAft>
+              <a:buSzPct val="100000"/>
+              <a:buFont typeface="Arial" panose="020B0604020202020204" pitchFamily="34" charset="0"/>
+              <a:defRPr sz="2400" kern="1200">
+                <a:solidFill>
+                  <a:schemeClr val="tx1"/>
+                </a:solidFill>
+                <a:latin typeface="Times New Roman" panose="02020603050405020304" pitchFamily="18" charset="0"/>
+                <a:ea typeface="PMingLiU" pitchFamily="2" charset="-120"/>
+                <a:cs typeface="+mn-cs"/>
+              </a:defRPr>
+            </a:lvl5pPr>
+            <a:lvl6pPr marL="2286000" algn="l" defTabSz="914400" rtl="0" eaLnBrk="1" latinLnBrk="0" hangingPunct="1">
+              <a:defRPr sz="2400" kern="1200">
+                <a:solidFill>
+                  <a:schemeClr val="tx1"/>
+                </a:solidFill>
+                <a:latin typeface="Times New Roman" panose="02020603050405020304" pitchFamily="18" charset="0"/>
+                <a:ea typeface="PMingLiU" pitchFamily="2" charset="-120"/>
+                <a:cs typeface="+mn-cs"/>
+              </a:defRPr>
+            </a:lvl6pPr>
+            <a:lvl7pPr marL="2743200" algn="l" defTabSz="914400" rtl="0" eaLnBrk="1" latinLnBrk="0" hangingPunct="1">
+              <a:defRPr sz="2400" kern="1200">
+                <a:solidFill>
+                  <a:schemeClr val="tx1"/>
+                </a:solidFill>
+                <a:latin typeface="Times New Roman" panose="02020603050405020304" pitchFamily="18" charset="0"/>
+                <a:ea typeface="PMingLiU" pitchFamily="2" charset="-120"/>
+                <a:cs typeface="+mn-cs"/>
+              </a:defRPr>
+            </a:lvl7pPr>
+            <a:lvl8pPr marL="3200400" algn="l" defTabSz="914400" rtl="0" eaLnBrk="1" latinLnBrk="0" hangingPunct="1">
+              <a:defRPr sz="2400" kern="1200">
+                <a:solidFill>
+                  <a:schemeClr val="tx1"/>
+                </a:solidFill>
+                <a:latin typeface="Times New Roman" panose="02020603050405020304" pitchFamily="18" charset="0"/>
+                <a:ea typeface="PMingLiU" pitchFamily="2" charset="-120"/>
+                <a:cs typeface="+mn-cs"/>
+              </a:defRPr>
+            </a:lvl8pPr>
+            <a:lvl9pPr marL="3657600" algn="l" defTabSz="914400" rtl="0" eaLnBrk="1" latinLnBrk="0" hangingPunct="1">
+              <a:defRPr sz="2400" kern="1200">
+                <a:solidFill>
+                  <a:schemeClr val="tx1"/>
+                </a:solidFill>
+                <a:latin typeface="Times New Roman" panose="02020603050405020304" pitchFamily="18" charset="0"/>
+                <a:ea typeface="PMingLiU" pitchFamily="2" charset="-120"/>
+                <a:cs typeface="+mn-cs"/>
+              </a:defRPr>
+            </a:lvl9pPr>
+          </a:lstStyle>
+          <a:p>
+            <a:r>
+              <a:rPr lang="zh-CN" altLang="en-US" sz="1600">
+                <a:latin typeface="Arial" panose="020B0604020202020204" pitchFamily="34" charset="0"/>
+                <a:ea typeface="宋体" panose="02010600030101010101" pitchFamily="2" charset="-122"/>
+              </a:rPr>
+              <a:t>将逻辑模型中的一个</a:t>
+            </a:r>
+            <a:r>
+              <a:rPr lang="en-US" altLang="zh-CN" sz="1600">
+                <a:latin typeface="Arial" panose="020B0604020202020204" pitchFamily="34" charset="0"/>
+                <a:ea typeface="宋体" panose="02010600030101010101" pitchFamily="2" charset="-122"/>
+              </a:rPr>
+              <a:t>Row</a:t>
+            </a:r>
+            <a:r>
+              <a:rPr lang="zh-CN" altLang="en-US" sz="1600">
+                <a:latin typeface="Arial" panose="020B0604020202020204" pitchFamily="34" charset="0"/>
+                <a:ea typeface="宋体" panose="02010600030101010101" pitchFamily="2" charset="-122"/>
+              </a:rPr>
+              <a:t>分割为根据</a:t>
+            </a:r>
+            <a:r>
+              <a:rPr lang="en-US" altLang="zh-CN" sz="1600">
+                <a:latin typeface="Arial" panose="020B0604020202020204" pitchFamily="34" charset="0"/>
+                <a:ea typeface="宋体" panose="02010600030101010101" pitchFamily="2" charset="-122"/>
+              </a:rPr>
+              <a:t>Column family</a:t>
+            </a:r>
+            <a:r>
+              <a:rPr lang="zh-CN" altLang="en-US" sz="1600">
+                <a:latin typeface="Arial" panose="020B0604020202020204" pitchFamily="34" charset="0"/>
+                <a:ea typeface="宋体" panose="02010600030101010101" pitchFamily="2" charset="-122"/>
+              </a:rPr>
+              <a:t>存储的物理模型</a:t>
+            </a:r>
+          </a:p>
+        </p:txBody>
+      </p:sp>
+      <p:pic>
+        <p:nvPicPr>
+          <p:cNvPr id="9" name="Picture 9" descr="HBASE数据模型"/>
+          <p:cNvPicPr>
+            <a:picLocks noChangeAspect="1" noChangeArrowheads="1"/>
+          </p:cNvPicPr>
+          <p:nvPr/>
+        </p:nvPicPr>
+        <p:blipFill>
+          <a:blip r:embed="rId4">
+            <a:extLst>
+              <a:ext uri="{28A0092B-C50C-407E-A947-70E740481C1C}">
+                <a14:useLocalDpi xmlns:a14="http://schemas.microsoft.com/office/drawing/2010/main" val="0"/>
+              </a:ext>
+            </a:extLst>
+          </a:blip>
+          <a:srcRect/>
+          <a:stretch>
+            <a:fillRect/>
+          </a:stretch>
+        </p:blipFill>
+        <p:spPr bwMode="auto">
+          <a:xfrm>
+            <a:off x="1694656" y="1068388"/>
+            <a:ext cx="4460875" cy="2879725"/>
+          </a:xfrm>
+          <a:prstGeom prst="rect">
+            <a:avLst/>
+          </a:prstGeom>
+          <a:noFill/>
+          <a:ln>
+            <a:noFill/>
+          </a:ln>
+          <a:extLst>
+            <a:ext uri="{909E8E84-426E-40DD-AFC4-6F175D3DCCD1}">
+              <a14:hiddenFill xmlns:a14="http://schemas.microsoft.com/office/drawing/2010/main">
+                <a:solidFill>
+                  <a:srgbClr val="FFFFFF"/>
+                </a:solidFill>
+              </a14:hiddenFill>
+            </a:ext>
+            <a:ext uri="{91240B29-F687-4F45-9708-019B960494DF}">
+              <a14:hiddenLine xmlns:a14="http://schemas.microsoft.com/office/drawing/2010/main" w="9525">
+                <a:solidFill>
+                  <a:srgbClr val="000000"/>
+                </a:solidFill>
+                <a:miter lim="800000"/>
+                <a:headEnd/>
+                <a:tailEnd/>
+              </a14:hiddenLine>
+            </a:ext>
+          </a:extLst>
+        </p:spPr>
+      </p:pic>
+    </p:spTree>
+    <p:extLst>
+      <p:ext uri="{BB962C8B-B14F-4D97-AF65-F5344CB8AC3E}">
+        <p14:creationId xmlns:p14="http://schemas.microsoft.com/office/powerpoint/2010/main" val="2644755114"/>
+      </p:ext>
+    </p:extLst>
+  </p:cSld>
+  <p:clrMapOvr>
+    <a:masterClrMapping/>
+  </p:clrMapOvr>
+</p:sld>
+</file>
+
+<file path=ppt/slides/slide5.xml><?xml version="1.0" encoding="utf-8"?>
+<p:sld xmlns:a="http://schemas.openxmlformats.org/drawingml/2006/main" xmlns:r="http://schemas.openxmlformats.org/officeDocument/2006/relationships" xmlns:p="http://schemas.openxmlformats.org/presentationml/2006/main">
+  <p:cSld>
+    <p:spTree>
+      <p:nvGrpSpPr>
+        <p:cNvPr id="1" name=""/>
+        <p:cNvGrpSpPr/>
+        <p:nvPr/>
+      </p:nvGrpSpPr>
+      <p:grpSpPr>
+        <a:xfrm>
+          <a:off x="0" y="0"/>
+          <a:ext cx="0" cy="0"/>
+          <a:chOff x="0" y="0"/>
+          <a:chExt cx="0" cy="0"/>
+        </a:xfrm>
+      </p:grpSpPr>
+      <p:sp>
+        <p:nvSpPr>
+          <p:cNvPr id="2" name="Rectangle 2"/>
+          <p:cNvSpPr>
+            <a:spLocks noGrp="1" noChangeArrowheads="1"/>
+          </p:cNvSpPr>
+          <p:nvPr/>
+        </p:nvSpPr>
+        <p:spPr bwMode="auto">
+          <a:xfrm>
+            <a:off x="2208213" y="177006"/>
+            <a:ext cx="7696200" cy="1439863"/>
+          </a:xfrm>
+          <a:prstGeom prst="rect">
+            <a:avLst/>
+          </a:prstGeom>
+          <a:noFill/>
+          <a:ln>
+            <a:noFill/>
+          </a:ln>
+          <a:extLst>
+            <a:ext uri="{909E8E84-426E-40DD-AFC4-6F175D3DCCD1}">
+              <a14:hiddenFill xmlns:a14="http://schemas.microsoft.com/office/drawing/2010/main">
+                <a:solidFill>
+                  <a:schemeClr val="accent1"/>
+                </a:solidFill>
+              </a14:hiddenFill>
+            </a:ext>
+            <a:ext uri="{91240B29-F687-4F45-9708-019B960494DF}">
+              <a14:hiddenLine xmlns:a14="http://schemas.microsoft.com/office/drawing/2010/main" w="9525">
+                <a:solidFill>
+                  <a:srgbClr val="000000"/>
+                </a:solidFill>
+                <a:miter lim="800000"/>
+                <a:headEnd/>
+                <a:tailEnd/>
+              </a14:hiddenLine>
+            </a:ext>
+          </a:extLst>
+        </p:spPr>
+        <p:txBody>
+          <a:bodyPr vert="horz" wrap="square" lIns="91440" tIns="45720" rIns="91440" bIns="45720" numCol="1" anchor="ctr" anchorCtr="0" compatLnSpc="1">
+            <a:prstTxWarp prst="textNoShape">
+              <a:avLst/>
+            </a:prstTxWarp>
+          </a:bodyPr>
+          <a:lstStyle>
+            <a:lvl1pPr algn="l" rtl="0" fontAlgn="t">
+              <a:lnSpc>
+                <a:spcPts val="3200"/>
+              </a:lnSpc>
+              <a:spcBef>
+                <a:spcPct val="0"/>
+              </a:spcBef>
+              <a:spcAft>
+                <a:spcPct val="0"/>
+              </a:spcAft>
+              <a:buSzPct val="100000"/>
+              <a:buFont typeface="Times New Roman" panose="02020603050405020304" pitchFamily="18" charset="0"/>
+              <a:defRPr sz="4400" b="1" kern="1200">
+                <a:solidFill>
+                  <a:srgbClr val="074888"/>
+                </a:solidFill>
+                <a:latin typeface="+mj-lt"/>
+                <a:ea typeface="+mj-ea"/>
+                <a:cs typeface="+mj-cs"/>
+              </a:defRPr>
+            </a:lvl1pPr>
+            <a:lvl2pPr algn="l" rtl="0" fontAlgn="t">
+              <a:lnSpc>
+                <a:spcPts val="3200"/>
+              </a:lnSpc>
+              <a:spcBef>
+                <a:spcPct val="0"/>
+              </a:spcBef>
+              <a:spcAft>
+                <a:spcPct val="0"/>
+              </a:spcAft>
+              <a:buSzPct val="100000"/>
+              <a:buFont typeface="Times New Roman" panose="02020603050405020304" pitchFamily="18" charset="0"/>
+              <a:defRPr sz="4400" b="1">
+                <a:solidFill>
+                  <a:srgbClr val="074888"/>
+                </a:solidFill>
+                <a:latin typeface="Arial" panose="020B0604020202020204" pitchFamily="34" charset="0"/>
+                <a:ea typeface="楷体_GB2312" pitchFamily="1" charset="-122"/>
+              </a:defRPr>
+            </a:lvl2pPr>
+            <a:lvl3pPr algn="l" rtl="0" fontAlgn="t">
+              <a:lnSpc>
+                <a:spcPts val="3200"/>
+              </a:lnSpc>
+              <a:spcBef>
+                <a:spcPct val="0"/>
+              </a:spcBef>
+              <a:spcAft>
+                <a:spcPct val="0"/>
+              </a:spcAft>
+              <a:buSzPct val="100000"/>
+              <a:buFont typeface="Times New Roman" panose="02020603050405020304" pitchFamily="18" charset="0"/>
+              <a:defRPr sz="4400" b="1">
+                <a:solidFill>
+                  <a:srgbClr val="074888"/>
+                </a:solidFill>
+                <a:latin typeface="Arial" panose="020B0604020202020204" pitchFamily="34" charset="0"/>
+                <a:ea typeface="楷体_GB2312" pitchFamily="1" charset="-122"/>
+              </a:defRPr>
+            </a:lvl3pPr>
+            <a:lvl4pPr algn="l" rtl="0" fontAlgn="t">
+              <a:lnSpc>
+                <a:spcPts val="3200"/>
+              </a:lnSpc>
+              <a:spcBef>
+                <a:spcPct val="0"/>
+              </a:spcBef>
+              <a:spcAft>
+                <a:spcPct val="0"/>
+              </a:spcAft>
+              <a:buSzPct val="100000"/>
+              <a:buFont typeface="Times New Roman" panose="02020603050405020304" pitchFamily="18" charset="0"/>
+              <a:defRPr sz="4400" b="1">
+                <a:solidFill>
+                  <a:srgbClr val="074888"/>
+                </a:solidFill>
+                <a:latin typeface="Arial" panose="020B0604020202020204" pitchFamily="34" charset="0"/>
+                <a:ea typeface="楷体_GB2312" pitchFamily="1" charset="-122"/>
+              </a:defRPr>
+            </a:lvl4pPr>
+            <a:lvl5pPr algn="l" rtl="0" fontAlgn="t">
+              <a:lnSpc>
+                <a:spcPts val="3200"/>
+              </a:lnSpc>
+              <a:spcBef>
+                <a:spcPct val="0"/>
+              </a:spcBef>
+              <a:spcAft>
+                <a:spcPct val="0"/>
+              </a:spcAft>
+              <a:buSzPct val="100000"/>
+              <a:buFont typeface="Times New Roman" panose="02020603050405020304" pitchFamily="18" charset="0"/>
+              <a:defRPr sz="4400" b="1">
+                <a:solidFill>
+                  <a:srgbClr val="074888"/>
+                </a:solidFill>
+                <a:latin typeface="Arial" panose="020B0604020202020204" pitchFamily="34" charset="0"/>
+                <a:ea typeface="楷体_GB2312" pitchFamily="1" charset="-122"/>
+              </a:defRPr>
+            </a:lvl5pPr>
+            <a:lvl6pPr marL="457200" algn="l" rtl="0" fontAlgn="t">
+              <a:lnSpc>
+                <a:spcPts val="3200"/>
+              </a:lnSpc>
+              <a:spcBef>
+                <a:spcPct val="0"/>
+              </a:spcBef>
+              <a:spcAft>
+                <a:spcPct val="0"/>
+              </a:spcAft>
+              <a:buSzPct val="100000"/>
+              <a:buFont typeface="Times New Roman" panose="02020603050405020304" pitchFamily="18" charset="0"/>
+              <a:defRPr sz="4400" b="1">
+                <a:solidFill>
+                  <a:srgbClr val="074888"/>
+                </a:solidFill>
+                <a:latin typeface="Arial" panose="020B0604020202020204" pitchFamily="34" charset="0"/>
+                <a:ea typeface="楷体_GB2312" pitchFamily="1" charset="-122"/>
+              </a:defRPr>
+            </a:lvl6pPr>
+            <a:lvl7pPr marL="914400" algn="l" rtl="0" fontAlgn="t">
+              <a:lnSpc>
+                <a:spcPts val="3200"/>
+              </a:lnSpc>
+              <a:spcBef>
+                <a:spcPct val="0"/>
+              </a:spcBef>
+              <a:spcAft>
+                <a:spcPct val="0"/>
+              </a:spcAft>
+              <a:buSzPct val="100000"/>
+              <a:buFont typeface="Times New Roman" panose="02020603050405020304" pitchFamily="18" charset="0"/>
+              <a:defRPr sz="4400" b="1">
+                <a:solidFill>
+                  <a:srgbClr val="074888"/>
+                </a:solidFill>
+                <a:latin typeface="Arial" panose="020B0604020202020204" pitchFamily="34" charset="0"/>
+                <a:ea typeface="楷体_GB2312" pitchFamily="1" charset="-122"/>
+              </a:defRPr>
+            </a:lvl7pPr>
+            <a:lvl8pPr marL="1371600" algn="l" rtl="0" fontAlgn="t">
+              <a:lnSpc>
+                <a:spcPts val="3200"/>
+              </a:lnSpc>
+              <a:spcBef>
+                <a:spcPct val="0"/>
+              </a:spcBef>
+              <a:spcAft>
+                <a:spcPct val="0"/>
+              </a:spcAft>
+              <a:buSzPct val="100000"/>
+              <a:buFont typeface="Times New Roman" panose="02020603050405020304" pitchFamily="18" charset="0"/>
+              <a:defRPr sz="4400" b="1">
+                <a:solidFill>
+                  <a:srgbClr val="074888"/>
+                </a:solidFill>
+                <a:latin typeface="Arial" panose="020B0604020202020204" pitchFamily="34" charset="0"/>
+                <a:ea typeface="楷体_GB2312" pitchFamily="1" charset="-122"/>
+              </a:defRPr>
+            </a:lvl8pPr>
+            <a:lvl9pPr marL="1828800" algn="l" rtl="0" fontAlgn="t">
+              <a:lnSpc>
+                <a:spcPts val="3200"/>
+              </a:lnSpc>
+              <a:spcBef>
+                <a:spcPct val="0"/>
+              </a:spcBef>
+              <a:spcAft>
+                <a:spcPct val="0"/>
+              </a:spcAft>
+              <a:buSzPct val="100000"/>
+              <a:buFont typeface="Times New Roman" panose="02020603050405020304" pitchFamily="18" charset="0"/>
+              <a:defRPr sz="4400" b="1">
+                <a:solidFill>
+                  <a:srgbClr val="074888"/>
+                </a:solidFill>
+                <a:latin typeface="Arial" panose="020B0604020202020204" pitchFamily="34" charset="0"/>
+                <a:ea typeface="楷体_GB2312" pitchFamily="1" charset="-122"/>
+              </a:defRPr>
+            </a:lvl9pPr>
+          </a:lstStyle>
+          <a:p>
+            <a:r>
+              <a:rPr lang="zh-CN" altLang="en-US"/>
+              <a:t>数据模型－行</a:t>
+            </a:r>
+          </a:p>
+        </p:txBody>
+      </p:sp>
+      <p:pic>
+        <p:nvPicPr>
+          <p:cNvPr id="3" name="table"/>
+          <p:cNvPicPr>
+            <a:picLocks noChangeAspect="1"/>
+          </p:cNvPicPr>
+          <p:nvPr/>
+        </p:nvPicPr>
+        <p:blipFill>
+          <a:blip r:embed="rId2"/>
+          <a:stretch>
+            <a:fillRect/>
+          </a:stretch>
+        </p:blipFill>
+        <p:spPr>
+          <a:xfrm>
+            <a:off x="1981200" y="1618456"/>
+            <a:ext cx="8229600" cy="2687638"/>
+          </a:xfrm>
+          <a:prstGeom prst="rect">
+            <a:avLst/>
+          </a:prstGeom>
+        </p:spPr>
+      </p:pic>
+      <p:sp>
+        <p:nvSpPr>
+          <p:cNvPr id="4" name="椭圆形标注 3"/>
+          <p:cNvSpPr>
+            <a:spLocks noChangeArrowheads="1"/>
+          </p:cNvSpPr>
+          <p:nvPr/>
+        </p:nvSpPr>
+        <p:spPr bwMode="auto">
+          <a:xfrm>
+            <a:off x="2711450" y="4209256"/>
+            <a:ext cx="2071688" cy="928688"/>
+          </a:xfrm>
+          <a:prstGeom prst="wedgeEllipseCallout">
+            <a:avLst>
+              <a:gd name="adj1" fmla="val -51023"/>
+              <a:gd name="adj2" fmla="val -159972"/>
+            </a:avLst>
+          </a:prstGeom>
+          <a:solidFill>
+            <a:srgbClr val="477AB1"/>
+          </a:solidFill>
+          <a:ln w="25400" cap="flat" cmpd="sng">
+            <a:solidFill>
+              <a:srgbClr val="325881"/>
+            </a:solidFill>
+            <a:miter lim="800000"/>
+            <a:headEnd/>
+            <a:tailEnd/>
+          </a:ln>
+          <a:effectLst/>
+          <a:extLst>
+            <a:ext uri="{AF507438-7753-43E0-B8FC-AC1667EBCBE1}">
+              <a14:hiddenEffects xmlns:a14="http://schemas.microsoft.com/office/drawing/2010/main">
+                <a:effectLst>
+                  <a:outerShdw dist="35921" dir="2700000" algn="ctr" rotWithShape="0">
+                    <a:srgbClr val="808080"/>
+                  </a:outerShdw>
+                </a:effectLst>
+              </a14:hiddenEffects>
+            </a:ext>
+          </a:extLst>
+        </p:spPr>
+        <p:txBody>
+          <a:bodyPr anchor="ctr"/>
+          <a:lstStyle>
+            <a:defPPr>
+              <a:defRPr lang="en-US"/>
+            </a:defPPr>
+            <a:lvl1pPr algn="l" rtl="0" fontAlgn="base">
+              <a:spcBef>
+                <a:spcPct val="0"/>
+              </a:spcBef>
+              <a:spcAft>
+                <a:spcPct val="0"/>
+              </a:spcAft>
+              <a:buSzPct val="100000"/>
+              <a:buFont typeface="Arial" panose="020B0604020202020204" pitchFamily="34" charset="0"/>
+              <a:defRPr sz="2400" kern="1200">
+                <a:solidFill>
+                  <a:schemeClr val="tx1"/>
+                </a:solidFill>
+                <a:latin typeface="Times New Roman" panose="02020603050405020304" pitchFamily="18" charset="0"/>
+                <a:ea typeface="PMingLiU" pitchFamily="2" charset="-120"/>
+                <a:cs typeface="+mn-cs"/>
+              </a:defRPr>
+            </a:lvl1pPr>
+            <a:lvl2pPr marL="457200" algn="l" rtl="0" fontAlgn="base">
+              <a:spcBef>
+                <a:spcPct val="0"/>
+              </a:spcBef>
+              <a:spcAft>
+                <a:spcPct val="0"/>
+              </a:spcAft>
+              <a:buSzPct val="100000"/>
+              <a:buFont typeface="Arial" panose="020B0604020202020204" pitchFamily="34" charset="0"/>
+              <a:defRPr sz="2400" kern="1200">
+                <a:solidFill>
+                  <a:schemeClr val="tx1"/>
+                </a:solidFill>
+                <a:latin typeface="Times New Roman" panose="02020603050405020304" pitchFamily="18" charset="0"/>
+                <a:ea typeface="PMingLiU" pitchFamily="2" charset="-120"/>
+                <a:cs typeface="+mn-cs"/>
+              </a:defRPr>
+            </a:lvl2pPr>
+            <a:lvl3pPr marL="914400" algn="l" rtl="0" fontAlgn="base">
+              <a:spcBef>
+                <a:spcPct val="0"/>
+              </a:spcBef>
+              <a:spcAft>
+                <a:spcPct val="0"/>
+              </a:spcAft>
+              <a:buSzPct val="100000"/>
+              <a:buFont typeface="Arial" panose="020B0604020202020204" pitchFamily="34" charset="0"/>
+              <a:defRPr sz="2400" kern="1200">
+                <a:solidFill>
+                  <a:schemeClr val="tx1"/>
+                </a:solidFill>
+                <a:latin typeface="Times New Roman" panose="02020603050405020304" pitchFamily="18" charset="0"/>
+                <a:ea typeface="PMingLiU" pitchFamily="2" charset="-120"/>
+                <a:cs typeface="+mn-cs"/>
+              </a:defRPr>
+            </a:lvl3pPr>
+            <a:lvl4pPr marL="1371600" algn="l" rtl="0" fontAlgn="base">
+              <a:spcBef>
+                <a:spcPct val="0"/>
+              </a:spcBef>
+              <a:spcAft>
+                <a:spcPct val="0"/>
+              </a:spcAft>
+              <a:buSzPct val="100000"/>
+              <a:buFont typeface="Arial" panose="020B0604020202020204" pitchFamily="34" charset="0"/>
+              <a:defRPr sz="2400" kern="1200">
+                <a:solidFill>
+                  <a:schemeClr val="tx1"/>
+                </a:solidFill>
+                <a:latin typeface="Times New Roman" panose="02020603050405020304" pitchFamily="18" charset="0"/>
+                <a:ea typeface="PMingLiU" pitchFamily="2" charset="-120"/>
+                <a:cs typeface="+mn-cs"/>
+              </a:defRPr>
+            </a:lvl4pPr>
+            <a:lvl5pPr marL="1828800" algn="l" rtl="0" fontAlgn="base">
+              <a:spcBef>
+                <a:spcPct val="0"/>
+              </a:spcBef>
+              <a:spcAft>
+                <a:spcPct val="0"/>
+              </a:spcAft>
+              <a:buSzPct val="100000"/>
+              <a:buFont typeface="Arial" panose="020B0604020202020204" pitchFamily="34" charset="0"/>
+              <a:defRPr sz="2400" kern="1200">
+                <a:solidFill>
+                  <a:schemeClr val="tx1"/>
+                </a:solidFill>
+                <a:latin typeface="Times New Roman" panose="02020603050405020304" pitchFamily="18" charset="0"/>
+                <a:ea typeface="PMingLiU" pitchFamily="2" charset="-120"/>
+                <a:cs typeface="+mn-cs"/>
+              </a:defRPr>
+            </a:lvl5pPr>
+            <a:lvl6pPr marL="2286000" algn="l" defTabSz="914400" rtl="0" eaLnBrk="1" latinLnBrk="0" hangingPunct="1">
+              <a:defRPr sz="2400" kern="1200">
+                <a:solidFill>
+                  <a:schemeClr val="tx1"/>
+                </a:solidFill>
+                <a:latin typeface="Times New Roman" panose="02020603050405020304" pitchFamily="18" charset="0"/>
+                <a:ea typeface="PMingLiU" pitchFamily="2" charset="-120"/>
+                <a:cs typeface="+mn-cs"/>
+              </a:defRPr>
+            </a:lvl6pPr>
+            <a:lvl7pPr marL="2743200" algn="l" defTabSz="914400" rtl="0" eaLnBrk="1" latinLnBrk="0" hangingPunct="1">
+              <a:defRPr sz="2400" kern="1200">
+                <a:solidFill>
+                  <a:schemeClr val="tx1"/>
+                </a:solidFill>
+                <a:latin typeface="Times New Roman" panose="02020603050405020304" pitchFamily="18" charset="0"/>
+                <a:ea typeface="PMingLiU" pitchFamily="2" charset="-120"/>
+                <a:cs typeface="+mn-cs"/>
+              </a:defRPr>
+            </a:lvl7pPr>
+            <a:lvl8pPr marL="3200400" algn="l" defTabSz="914400" rtl="0" eaLnBrk="1" latinLnBrk="0" hangingPunct="1">
+              <a:defRPr sz="2400" kern="1200">
+                <a:solidFill>
+                  <a:schemeClr val="tx1"/>
+                </a:solidFill>
+                <a:latin typeface="Times New Roman" panose="02020603050405020304" pitchFamily="18" charset="0"/>
+                <a:ea typeface="PMingLiU" pitchFamily="2" charset="-120"/>
+                <a:cs typeface="+mn-cs"/>
+              </a:defRPr>
+            </a:lvl8pPr>
+            <a:lvl9pPr marL="3657600" algn="l" defTabSz="914400" rtl="0" eaLnBrk="1" latinLnBrk="0" hangingPunct="1">
+              <a:defRPr sz="2400" kern="1200">
+                <a:solidFill>
+                  <a:schemeClr val="tx1"/>
+                </a:solidFill>
+                <a:latin typeface="Times New Roman" panose="02020603050405020304" pitchFamily="18" charset="0"/>
+                <a:ea typeface="PMingLiU" pitchFamily="2" charset="-120"/>
+                <a:cs typeface="+mn-cs"/>
+              </a:defRPr>
+            </a:lvl9pPr>
+          </a:lstStyle>
+          <a:p>
+            <a:pPr algn="ctr"/>
+            <a:r>
+              <a:rPr lang="zh-CN" altLang="en-US" sz="4800">
+                <a:solidFill>
+                  <a:srgbClr val="FFFFFF"/>
+                </a:solidFill>
+                <a:latin typeface="Cambria" panose="02040503050406030204" pitchFamily="18" charset="0"/>
+                <a:ea typeface="华文楷体" panose="02010600040101010101" pitchFamily="2" charset="-122"/>
+              </a:rPr>
+              <a:t>行键</a:t>
+            </a:r>
+          </a:p>
+        </p:txBody>
+      </p:sp>
+      <p:sp>
+        <p:nvSpPr>
+          <p:cNvPr id="5" name="椭圆形标注 4"/>
+          <p:cNvSpPr>
+            <a:spLocks noChangeArrowheads="1"/>
+          </p:cNvSpPr>
+          <p:nvPr/>
+        </p:nvSpPr>
+        <p:spPr bwMode="auto">
+          <a:xfrm>
+            <a:off x="5303838" y="4280694"/>
+            <a:ext cx="2071687" cy="928687"/>
+          </a:xfrm>
+          <a:prstGeom prst="wedgeEllipseCallout">
+            <a:avLst>
+              <a:gd name="adj1" fmla="val -51023"/>
+              <a:gd name="adj2" fmla="val -159972"/>
+            </a:avLst>
+          </a:prstGeom>
+          <a:solidFill>
+            <a:srgbClr val="477AB1"/>
+          </a:solidFill>
+          <a:ln w="25400" cap="flat" cmpd="sng">
+            <a:solidFill>
+              <a:srgbClr val="325881"/>
+            </a:solidFill>
+            <a:miter lim="800000"/>
+            <a:headEnd/>
+            <a:tailEnd/>
+          </a:ln>
+          <a:effectLst/>
+          <a:extLst>
+            <a:ext uri="{AF507438-7753-43E0-B8FC-AC1667EBCBE1}">
+              <a14:hiddenEffects xmlns:a14="http://schemas.microsoft.com/office/drawing/2010/main">
+                <a:effectLst>
+                  <a:outerShdw dist="35921" dir="2700000" algn="ctr" rotWithShape="0">
+                    <a:srgbClr val="808080"/>
+                  </a:outerShdw>
+                </a:effectLst>
+              </a14:hiddenEffects>
+            </a:ext>
+          </a:extLst>
+        </p:spPr>
+        <p:txBody>
+          <a:bodyPr anchor="ctr"/>
+          <a:lstStyle>
+            <a:defPPr>
+              <a:defRPr lang="en-US"/>
+            </a:defPPr>
+            <a:lvl1pPr algn="l" rtl="0" fontAlgn="base">
+              <a:spcBef>
+                <a:spcPct val="0"/>
+              </a:spcBef>
+              <a:spcAft>
+                <a:spcPct val="0"/>
+              </a:spcAft>
+              <a:buSzPct val="100000"/>
+              <a:buFont typeface="Arial" panose="020B0604020202020204" pitchFamily="34" charset="0"/>
+              <a:defRPr sz="2400" kern="1200">
+                <a:solidFill>
+                  <a:schemeClr val="tx1"/>
+                </a:solidFill>
+                <a:latin typeface="Times New Roman" panose="02020603050405020304" pitchFamily="18" charset="0"/>
+                <a:ea typeface="PMingLiU" pitchFamily="2" charset="-120"/>
+                <a:cs typeface="+mn-cs"/>
+              </a:defRPr>
+            </a:lvl1pPr>
+            <a:lvl2pPr marL="457200" algn="l" rtl="0" fontAlgn="base">
+              <a:spcBef>
+                <a:spcPct val="0"/>
+              </a:spcBef>
+              <a:spcAft>
+                <a:spcPct val="0"/>
+              </a:spcAft>
+              <a:buSzPct val="100000"/>
+              <a:buFont typeface="Arial" panose="020B0604020202020204" pitchFamily="34" charset="0"/>
+              <a:defRPr sz="2400" kern="1200">
+                <a:solidFill>
+                  <a:schemeClr val="tx1"/>
+                </a:solidFill>
+                <a:latin typeface="Times New Roman" panose="02020603050405020304" pitchFamily="18" charset="0"/>
+                <a:ea typeface="PMingLiU" pitchFamily="2" charset="-120"/>
+                <a:cs typeface="+mn-cs"/>
+              </a:defRPr>
+            </a:lvl2pPr>
+            <a:lvl3pPr marL="914400" algn="l" rtl="0" fontAlgn="base">
+              <a:spcBef>
+                <a:spcPct val="0"/>
+              </a:spcBef>
+              <a:spcAft>
+                <a:spcPct val="0"/>
+              </a:spcAft>
+              <a:buSzPct val="100000"/>
+              <a:buFont typeface="Arial" panose="020B0604020202020204" pitchFamily="34" charset="0"/>
+              <a:defRPr sz="2400" kern="1200">
+                <a:solidFill>
+                  <a:schemeClr val="tx1"/>
+                </a:solidFill>
+                <a:latin typeface="Times New Roman" panose="02020603050405020304" pitchFamily="18" charset="0"/>
+                <a:ea typeface="PMingLiU" pitchFamily="2" charset="-120"/>
+                <a:cs typeface="+mn-cs"/>
+              </a:defRPr>
+            </a:lvl3pPr>
+            <a:lvl4pPr marL="1371600" algn="l" rtl="0" fontAlgn="base">
+              <a:spcBef>
+                <a:spcPct val="0"/>
+              </a:spcBef>
+              <a:spcAft>
+                <a:spcPct val="0"/>
+              </a:spcAft>
+              <a:buSzPct val="100000"/>
+              <a:buFont typeface="Arial" panose="020B0604020202020204" pitchFamily="34" charset="0"/>
+              <a:defRPr sz="2400" kern="1200">
+                <a:solidFill>
+                  <a:schemeClr val="tx1"/>
+                </a:solidFill>
+                <a:latin typeface="Times New Roman" panose="02020603050405020304" pitchFamily="18" charset="0"/>
+                <a:ea typeface="PMingLiU" pitchFamily="2" charset="-120"/>
+                <a:cs typeface="+mn-cs"/>
+              </a:defRPr>
+            </a:lvl4pPr>
+            <a:lvl5pPr marL="1828800" algn="l" rtl="0" fontAlgn="base">
+              <a:spcBef>
+                <a:spcPct val="0"/>
+              </a:spcBef>
+              <a:spcAft>
+                <a:spcPct val="0"/>
+              </a:spcAft>
+              <a:buSzPct val="100000"/>
+              <a:buFont typeface="Arial" panose="020B0604020202020204" pitchFamily="34" charset="0"/>
+              <a:defRPr sz="2400" kern="1200">
+                <a:solidFill>
+                  <a:schemeClr val="tx1"/>
+                </a:solidFill>
+                <a:latin typeface="Times New Roman" panose="02020603050405020304" pitchFamily="18" charset="0"/>
+                <a:ea typeface="PMingLiU" pitchFamily="2" charset="-120"/>
+                <a:cs typeface="+mn-cs"/>
+              </a:defRPr>
+            </a:lvl5pPr>
+            <a:lvl6pPr marL="2286000" algn="l" defTabSz="914400" rtl="0" eaLnBrk="1" latinLnBrk="0" hangingPunct="1">
+              <a:defRPr sz="2400" kern="1200">
+                <a:solidFill>
+                  <a:schemeClr val="tx1"/>
+                </a:solidFill>
+                <a:latin typeface="Times New Roman" panose="02020603050405020304" pitchFamily="18" charset="0"/>
+                <a:ea typeface="PMingLiU" pitchFamily="2" charset="-120"/>
+                <a:cs typeface="+mn-cs"/>
+              </a:defRPr>
+            </a:lvl6pPr>
+            <a:lvl7pPr marL="2743200" algn="l" defTabSz="914400" rtl="0" eaLnBrk="1" latinLnBrk="0" hangingPunct="1">
+              <a:defRPr sz="2400" kern="1200">
+                <a:solidFill>
+                  <a:schemeClr val="tx1"/>
+                </a:solidFill>
+                <a:latin typeface="Times New Roman" panose="02020603050405020304" pitchFamily="18" charset="0"/>
+                <a:ea typeface="PMingLiU" pitchFamily="2" charset="-120"/>
+                <a:cs typeface="+mn-cs"/>
+              </a:defRPr>
+            </a:lvl7pPr>
+            <a:lvl8pPr marL="3200400" algn="l" defTabSz="914400" rtl="0" eaLnBrk="1" latinLnBrk="0" hangingPunct="1">
+              <a:defRPr sz="2400" kern="1200">
+                <a:solidFill>
+                  <a:schemeClr val="tx1"/>
+                </a:solidFill>
+                <a:latin typeface="Times New Roman" panose="02020603050405020304" pitchFamily="18" charset="0"/>
+                <a:ea typeface="PMingLiU" pitchFamily="2" charset="-120"/>
+                <a:cs typeface="+mn-cs"/>
+              </a:defRPr>
+            </a:lvl8pPr>
+            <a:lvl9pPr marL="3657600" algn="l" defTabSz="914400" rtl="0" eaLnBrk="1" latinLnBrk="0" hangingPunct="1">
+              <a:defRPr sz="2400" kern="1200">
+                <a:solidFill>
+                  <a:schemeClr val="tx1"/>
+                </a:solidFill>
+                <a:latin typeface="Times New Roman" panose="02020603050405020304" pitchFamily="18" charset="0"/>
+                <a:ea typeface="PMingLiU" pitchFamily="2" charset="-120"/>
+                <a:cs typeface="+mn-cs"/>
+              </a:defRPr>
+            </a:lvl9pPr>
+          </a:lstStyle>
+          <a:p>
+            <a:pPr algn="ctr"/>
+            <a:r>
+              <a:rPr lang="zh-CN" altLang="en-US" sz="4800">
+                <a:solidFill>
+                  <a:srgbClr val="FFFFFF"/>
+                </a:solidFill>
+                <a:latin typeface="Cambria" panose="02040503050406030204" pitchFamily="18" charset="0"/>
+                <a:ea typeface="华文楷体" panose="02010600040101010101" pitchFamily="2" charset="-122"/>
+              </a:rPr>
+              <a:t>列</a:t>
+            </a:r>
+          </a:p>
+        </p:txBody>
+      </p:sp>
+      <p:sp>
+        <p:nvSpPr>
+          <p:cNvPr id="6" name="椭圆形标注 5"/>
+          <p:cNvSpPr>
+            <a:spLocks noChangeArrowheads="1"/>
+          </p:cNvSpPr>
+          <p:nvPr/>
+        </p:nvSpPr>
+        <p:spPr bwMode="auto">
+          <a:xfrm>
+            <a:off x="7969250" y="4280694"/>
+            <a:ext cx="2070100" cy="928687"/>
+          </a:xfrm>
+          <a:prstGeom prst="wedgeEllipseCallout">
+            <a:avLst>
+              <a:gd name="adj1" fmla="val -51023"/>
+              <a:gd name="adj2" fmla="val -159972"/>
+            </a:avLst>
+          </a:prstGeom>
+          <a:solidFill>
+            <a:srgbClr val="477AB1"/>
+          </a:solidFill>
+          <a:ln w="25400" cap="flat" cmpd="sng">
+            <a:solidFill>
+              <a:srgbClr val="325881"/>
+            </a:solidFill>
+            <a:miter lim="800000"/>
+            <a:headEnd/>
+            <a:tailEnd/>
+          </a:ln>
+          <a:effectLst/>
+          <a:extLst>
+            <a:ext uri="{AF507438-7753-43E0-B8FC-AC1667EBCBE1}">
+              <a14:hiddenEffects xmlns:a14="http://schemas.microsoft.com/office/drawing/2010/main">
+                <a:effectLst>
+                  <a:outerShdw dist="35921" dir="2700000" algn="ctr" rotWithShape="0">
+                    <a:srgbClr val="808080"/>
+                  </a:outerShdw>
+                </a:effectLst>
+              </a14:hiddenEffects>
+            </a:ext>
+          </a:extLst>
+        </p:spPr>
+        <p:txBody>
+          <a:bodyPr anchor="ctr"/>
+          <a:lstStyle>
+            <a:defPPr>
+              <a:defRPr lang="en-US"/>
+            </a:defPPr>
+            <a:lvl1pPr algn="l" rtl="0" fontAlgn="base">
+              <a:spcBef>
+                <a:spcPct val="0"/>
+              </a:spcBef>
+              <a:spcAft>
+                <a:spcPct val="0"/>
+              </a:spcAft>
+              <a:buSzPct val="100000"/>
+              <a:buFont typeface="Arial" panose="020B0604020202020204" pitchFamily="34" charset="0"/>
+              <a:defRPr sz="2400" kern="1200">
+                <a:solidFill>
+                  <a:schemeClr val="tx1"/>
+                </a:solidFill>
+                <a:latin typeface="Times New Roman" panose="02020603050405020304" pitchFamily="18" charset="0"/>
+                <a:ea typeface="PMingLiU" pitchFamily="2" charset="-120"/>
+                <a:cs typeface="+mn-cs"/>
+              </a:defRPr>
+            </a:lvl1pPr>
+            <a:lvl2pPr marL="457200" algn="l" rtl="0" fontAlgn="base">
+              <a:spcBef>
+                <a:spcPct val="0"/>
+              </a:spcBef>
+              <a:spcAft>
+                <a:spcPct val="0"/>
+              </a:spcAft>
+              <a:buSzPct val="100000"/>
+              <a:buFont typeface="Arial" panose="020B0604020202020204" pitchFamily="34" charset="0"/>
+              <a:defRPr sz="2400" kern="1200">
+                <a:solidFill>
+                  <a:schemeClr val="tx1"/>
+                </a:solidFill>
+                <a:latin typeface="Times New Roman" panose="02020603050405020304" pitchFamily="18" charset="0"/>
+                <a:ea typeface="PMingLiU" pitchFamily="2" charset="-120"/>
+                <a:cs typeface="+mn-cs"/>
+              </a:defRPr>
+            </a:lvl2pPr>
+            <a:lvl3pPr marL="914400" algn="l" rtl="0" fontAlgn="base">
+              <a:spcBef>
+                <a:spcPct val="0"/>
+              </a:spcBef>
+              <a:spcAft>
+                <a:spcPct val="0"/>
+              </a:spcAft>
+              <a:buSzPct val="100000"/>
+              <a:buFont typeface="Arial" panose="020B0604020202020204" pitchFamily="34" charset="0"/>
+              <a:defRPr sz="2400" kern="1200">
+                <a:solidFill>
+                  <a:schemeClr val="tx1"/>
+                </a:solidFill>
+                <a:latin typeface="Times New Roman" panose="02020603050405020304" pitchFamily="18" charset="0"/>
+                <a:ea typeface="PMingLiU" pitchFamily="2" charset="-120"/>
+                <a:cs typeface="+mn-cs"/>
+              </a:defRPr>
+            </a:lvl3pPr>
+            <a:lvl4pPr marL="1371600" algn="l" rtl="0" fontAlgn="base">
+              <a:spcBef>
+                <a:spcPct val="0"/>
+              </a:spcBef>
+              <a:spcAft>
+                <a:spcPct val="0"/>
+              </a:spcAft>
+              <a:buSzPct val="100000"/>
+              <a:buFont typeface="Arial" panose="020B0604020202020204" pitchFamily="34" charset="0"/>
+              <a:defRPr sz="2400" kern="1200">
+                <a:solidFill>
+                  <a:schemeClr val="tx1"/>
+                </a:solidFill>
+                <a:latin typeface="Times New Roman" panose="02020603050405020304" pitchFamily="18" charset="0"/>
+                <a:ea typeface="PMingLiU" pitchFamily="2" charset="-120"/>
+                <a:cs typeface="+mn-cs"/>
+              </a:defRPr>
+            </a:lvl4pPr>
+            <a:lvl5pPr marL="1828800" algn="l" rtl="0" fontAlgn="base">
+              <a:spcBef>
+                <a:spcPct val="0"/>
+              </a:spcBef>
+              <a:spcAft>
+                <a:spcPct val="0"/>
+              </a:spcAft>
+              <a:buSzPct val="100000"/>
+              <a:buFont typeface="Arial" panose="020B0604020202020204" pitchFamily="34" charset="0"/>
+              <a:defRPr sz="2400" kern="1200">
+                <a:solidFill>
+                  <a:schemeClr val="tx1"/>
+                </a:solidFill>
+                <a:latin typeface="Times New Roman" panose="02020603050405020304" pitchFamily="18" charset="0"/>
+                <a:ea typeface="PMingLiU" pitchFamily="2" charset="-120"/>
+                <a:cs typeface="+mn-cs"/>
+              </a:defRPr>
+            </a:lvl5pPr>
+            <a:lvl6pPr marL="2286000" algn="l" defTabSz="914400" rtl="0" eaLnBrk="1" latinLnBrk="0" hangingPunct="1">
+              <a:defRPr sz="2400" kern="1200">
+                <a:solidFill>
+                  <a:schemeClr val="tx1"/>
+                </a:solidFill>
+                <a:latin typeface="Times New Roman" panose="02020603050405020304" pitchFamily="18" charset="0"/>
+                <a:ea typeface="PMingLiU" pitchFamily="2" charset="-120"/>
+                <a:cs typeface="+mn-cs"/>
+              </a:defRPr>
+            </a:lvl6pPr>
+            <a:lvl7pPr marL="2743200" algn="l" defTabSz="914400" rtl="0" eaLnBrk="1" latinLnBrk="0" hangingPunct="1">
+              <a:defRPr sz="2400" kern="1200">
+                <a:solidFill>
+                  <a:schemeClr val="tx1"/>
+                </a:solidFill>
+                <a:latin typeface="Times New Roman" panose="02020603050405020304" pitchFamily="18" charset="0"/>
+                <a:ea typeface="PMingLiU" pitchFamily="2" charset="-120"/>
+                <a:cs typeface="+mn-cs"/>
+              </a:defRPr>
+            </a:lvl7pPr>
+            <a:lvl8pPr marL="3200400" algn="l" defTabSz="914400" rtl="0" eaLnBrk="1" latinLnBrk="0" hangingPunct="1">
+              <a:defRPr sz="2400" kern="1200">
+                <a:solidFill>
+                  <a:schemeClr val="tx1"/>
+                </a:solidFill>
+                <a:latin typeface="Times New Roman" panose="02020603050405020304" pitchFamily="18" charset="0"/>
+                <a:ea typeface="PMingLiU" pitchFamily="2" charset="-120"/>
+                <a:cs typeface="+mn-cs"/>
+              </a:defRPr>
+            </a:lvl8pPr>
+            <a:lvl9pPr marL="3657600" algn="l" defTabSz="914400" rtl="0" eaLnBrk="1" latinLnBrk="0" hangingPunct="1">
+              <a:defRPr sz="2400" kern="1200">
+                <a:solidFill>
+                  <a:schemeClr val="tx1"/>
+                </a:solidFill>
+                <a:latin typeface="Times New Roman" panose="02020603050405020304" pitchFamily="18" charset="0"/>
+                <a:ea typeface="PMingLiU" pitchFamily="2" charset="-120"/>
+                <a:cs typeface="+mn-cs"/>
+              </a:defRPr>
+            </a:lvl9pPr>
+          </a:lstStyle>
+          <a:p>
+            <a:pPr algn="ctr"/>
+            <a:r>
+              <a:rPr lang="zh-CN" altLang="en-US" sz="4800">
+                <a:solidFill>
+                  <a:srgbClr val="FFFFFF"/>
+                </a:solidFill>
+                <a:latin typeface="Cambria" panose="02040503050406030204" pitchFamily="18" charset="0"/>
+                <a:ea typeface="华文楷体" panose="02010600040101010101" pitchFamily="2" charset="-122"/>
+              </a:rPr>
+              <a:t>列</a:t>
+            </a:r>
+          </a:p>
+        </p:txBody>
+      </p:sp>
+      <p:sp>
+        <p:nvSpPr>
+          <p:cNvPr id="7" name="Text Box 56"/>
+          <p:cNvSpPr txBox="1">
+            <a:spLocks noChangeArrowheads="1"/>
+          </p:cNvSpPr>
+          <p:nvPr/>
+        </p:nvSpPr>
+        <p:spPr bwMode="auto">
+          <a:xfrm>
+            <a:off x="1990725" y="5217319"/>
+            <a:ext cx="7921625" cy="1463675"/>
+          </a:xfrm>
+          <a:prstGeom prst="rect">
+            <a:avLst/>
+          </a:prstGeom>
+          <a:noFill/>
+          <a:ln>
+            <a:noFill/>
+          </a:ln>
+          <a:effectLst/>
+          <a:extLst>
+            <a:ext uri="{909E8E84-426E-40DD-AFC4-6F175D3DCCD1}">
+              <a14:hiddenFill xmlns:a14="http://schemas.microsoft.com/office/drawing/2010/main">
+                <a:solidFill>
+                  <a:schemeClr val="accent1"/>
+                </a:solidFill>
+              </a14:hiddenFill>
+            </a:ext>
+            <a:ext uri="{91240B29-F687-4F45-9708-019B960494DF}">
+              <a14:hiddenLine xmlns:a14="http://schemas.microsoft.com/office/drawing/2010/main" w="9525">
+                <a:solidFill>
+                  <a:srgbClr val="000000"/>
+                </a:solidFill>
+                <a:miter lim="800000"/>
+                <a:headEnd/>
+                <a:tailEnd/>
+              </a14:hiddenLine>
+            </a:ext>
+            <a:ext uri="{AF507438-7753-43E0-B8FC-AC1667EBCBE1}">
+              <a14:hiddenEffects xmlns:a14="http://schemas.microsoft.com/office/drawing/2010/main">
+                <a:effectLst>
+                  <a:outerShdw dist="35921" dir="2700000" algn="ctr" rotWithShape="0">
+                    <a:schemeClr val="bg2"/>
+                  </a:outerShdw>
+                </a:effectLst>
+              </a14:hiddenEffects>
+            </a:ext>
+          </a:extLst>
+        </p:spPr>
+        <p:txBody>
+          <a:bodyPr>
+            <a:spAutoFit/>
+          </a:bodyPr>
+          <a:lstStyle>
+            <a:defPPr>
+              <a:defRPr lang="en-US"/>
+            </a:defPPr>
+            <a:lvl1pPr algn="l" rtl="0" fontAlgn="base">
+              <a:spcBef>
+                <a:spcPct val="0"/>
+              </a:spcBef>
+              <a:spcAft>
+                <a:spcPct val="0"/>
+              </a:spcAft>
+              <a:buSzPct val="100000"/>
+              <a:buFont typeface="Arial" panose="020B0604020202020204" pitchFamily="34" charset="0"/>
+              <a:defRPr sz="2400" kern="1200">
+                <a:solidFill>
+                  <a:schemeClr val="tx1"/>
+                </a:solidFill>
+                <a:latin typeface="Times New Roman" panose="02020603050405020304" pitchFamily="18" charset="0"/>
+                <a:ea typeface="PMingLiU" pitchFamily="2" charset="-120"/>
+                <a:cs typeface="+mn-cs"/>
+              </a:defRPr>
+            </a:lvl1pPr>
+            <a:lvl2pPr marL="457200" algn="l" rtl="0" fontAlgn="base">
+              <a:spcBef>
+                <a:spcPct val="0"/>
+              </a:spcBef>
+              <a:spcAft>
+                <a:spcPct val="0"/>
+              </a:spcAft>
+              <a:buSzPct val="100000"/>
+              <a:buFont typeface="Arial" panose="020B0604020202020204" pitchFamily="34" charset="0"/>
+              <a:defRPr sz="2400" kern="1200">
+                <a:solidFill>
+                  <a:schemeClr val="tx1"/>
+                </a:solidFill>
+                <a:latin typeface="Times New Roman" panose="02020603050405020304" pitchFamily="18" charset="0"/>
+                <a:ea typeface="PMingLiU" pitchFamily="2" charset="-120"/>
+                <a:cs typeface="+mn-cs"/>
+              </a:defRPr>
+            </a:lvl2pPr>
+            <a:lvl3pPr marL="914400" algn="l" rtl="0" fontAlgn="base">
+              <a:spcBef>
+                <a:spcPct val="0"/>
+              </a:spcBef>
+              <a:spcAft>
+                <a:spcPct val="0"/>
+              </a:spcAft>
+              <a:buSzPct val="100000"/>
+              <a:buFont typeface="Arial" panose="020B0604020202020204" pitchFamily="34" charset="0"/>
+              <a:defRPr sz="2400" kern="1200">
+                <a:solidFill>
+                  <a:schemeClr val="tx1"/>
+                </a:solidFill>
+                <a:latin typeface="Times New Roman" panose="02020603050405020304" pitchFamily="18" charset="0"/>
+                <a:ea typeface="PMingLiU" pitchFamily="2" charset="-120"/>
+                <a:cs typeface="+mn-cs"/>
+              </a:defRPr>
+            </a:lvl3pPr>
+            <a:lvl4pPr marL="1371600" algn="l" rtl="0" fontAlgn="base">
+              <a:spcBef>
+                <a:spcPct val="0"/>
+              </a:spcBef>
+              <a:spcAft>
+                <a:spcPct val="0"/>
+              </a:spcAft>
+              <a:buSzPct val="100000"/>
+              <a:buFont typeface="Arial" panose="020B0604020202020204" pitchFamily="34" charset="0"/>
+              <a:defRPr sz="2400" kern="1200">
+                <a:solidFill>
+                  <a:schemeClr val="tx1"/>
+                </a:solidFill>
+                <a:latin typeface="Times New Roman" panose="02020603050405020304" pitchFamily="18" charset="0"/>
+                <a:ea typeface="PMingLiU" pitchFamily="2" charset="-120"/>
+                <a:cs typeface="+mn-cs"/>
+              </a:defRPr>
+            </a:lvl4pPr>
+            <a:lvl5pPr marL="1828800" algn="l" rtl="0" fontAlgn="base">
+              <a:spcBef>
+                <a:spcPct val="0"/>
+              </a:spcBef>
+              <a:spcAft>
+                <a:spcPct val="0"/>
+              </a:spcAft>
+              <a:buSzPct val="100000"/>
+              <a:buFont typeface="Arial" panose="020B0604020202020204" pitchFamily="34" charset="0"/>
+              <a:defRPr sz="2400" kern="1200">
+                <a:solidFill>
+                  <a:schemeClr val="tx1"/>
+                </a:solidFill>
+                <a:latin typeface="Times New Roman" panose="02020603050405020304" pitchFamily="18" charset="0"/>
+                <a:ea typeface="PMingLiU" pitchFamily="2" charset="-120"/>
+                <a:cs typeface="+mn-cs"/>
+              </a:defRPr>
+            </a:lvl5pPr>
+            <a:lvl6pPr marL="2286000" algn="l" defTabSz="914400" rtl="0" eaLnBrk="1" latinLnBrk="0" hangingPunct="1">
+              <a:defRPr sz="2400" kern="1200">
+                <a:solidFill>
+                  <a:schemeClr val="tx1"/>
+                </a:solidFill>
+                <a:latin typeface="Times New Roman" panose="02020603050405020304" pitchFamily="18" charset="0"/>
+                <a:ea typeface="PMingLiU" pitchFamily="2" charset="-120"/>
+                <a:cs typeface="+mn-cs"/>
+              </a:defRPr>
+            </a:lvl6pPr>
+            <a:lvl7pPr marL="2743200" algn="l" defTabSz="914400" rtl="0" eaLnBrk="1" latinLnBrk="0" hangingPunct="1">
+              <a:defRPr sz="2400" kern="1200">
+                <a:solidFill>
+                  <a:schemeClr val="tx1"/>
+                </a:solidFill>
+                <a:latin typeface="Times New Roman" panose="02020603050405020304" pitchFamily="18" charset="0"/>
+                <a:ea typeface="PMingLiU" pitchFamily="2" charset="-120"/>
+                <a:cs typeface="+mn-cs"/>
+              </a:defRPr>
+            </a:lvl7pPr>
+            <a:lvl8pPr marL="3200400" algn="l" defTabSz="914400" rtl="0" eaLnBrk="1" latinLnBrk="0" hangingPunct="1">
+              <a:defRPr sz="2400" kern="1200">
+                <a:solidFill>
+                  <a:schemeClr val="tx1"/>
+                </a:solidFill>
+                <a:latin typeface="Times New Roman" panose="02020603050405020304" pitchFamily="18" charset="0"/>
+                <a:ea typeface="PMingLiU" pitchFamily="2" charset="-120"/>
+                <a:cs typeface="+mn-cs"/>
+              </a:defRPr>
+            </a:lvl8pPr>
+            <a:lvl9pPr marL="3657600" algn="l" defTabSz="914400" rtl="0" eaLnBrk="1" latinLnBrk="0" hangingPunct="1">
+              <a:defRPr sz="2400" kern="1200">
+                <a:solidFill>
+                  <a:schemeClr val="tx1"/>
+                </a:solidFill>
+                <a:latin typeface="Times New Roman" panose="02020603050405020304" pitchFamily="18" charset="0"/>
+                <a:ea typeface="PMingLiU" pitchFamily="2" charset="-120"/>
+                <a:cs typeface="+mn-cs"/>
+              </a:defRPr>
+            </a:lvl9pPr>
+          </a:lstStyle>
+          <a:p>
+            <a:pPr>
+              <a:buFont typeface="Arial" panose="020B0604020202020204" pitchFamily="34" charset="0"/>
+              <a:buChar char="•"/>
+            </a:pPr>
+            <a:r>
+              <a:rPr lang="zh-CN" altLang="en-US" sz="1800" b="1">
+                <a:latin typeface="微软雅黑" panose="020B0503020204020204" pitchFamily="34" charset="-122"/>
+                <a:ea typeface="微软雅黑" panose="020B0503020204020204" pitchFamily="34" charset="-122"/>
+              </a:rPr>
+              <a:t>字符串、整数、二进制串甚至串行化的结构都可以作为行键</a:t>
+            </a:r>
+          </a:p>
+          <a:p>
+            <a:pPr>
+              <a:buFont typeface="Arial" panose="020B0604020202020204" pitchFamily="34" charset="0"/>
+              <a:buChar char="•"/>
+            </a:pPr>
+            <a:r>
+              <a:rPr lang="zh-CN" altLang="en-US" sz="1800" b="1">
+                <a:latin typeface="微软雅黑" panose="020B0503020204020204" pitchFamily="34" charset="-122"/>
+                <a:ea typeface="微软雅黑" panose="020B0503020204020204" pitchFamily="34" charset="-122"/>
+              </a:rPr>
+              <a:t>表按照行键的“逐字节排序”顺序对行进行有序化处理</a:t>
+            </a:r>
+          </a:p>
+          <a:p>
+            <a:pPr>
+              <a:buFont typeface="Arial" panose="020B0604020202020204" pitchFamily="34" charset="0"/>
+              <a:buChar char="•"/>
+            </a:pPr>
+            <a:r>
+              <a:rPr lang="zh-CN" altLang="en-US" sz="1800" b="1">
+                <a:latin typeface="微软雅黑" panose="020B0503020204020204" pitchFamily="34" charset="-122"/>
+                <a:ea typeface="微软雅黑" panose="020B0503020204020204" pitchFamily="34" charset="-122"/>
+              </a:rPr>
+              <a:t>表内数据非常‘稀疏’，不同的行的列的数完全目可以大不相同</a:t>
+            </a:r>
+          </a:p>
+          <a:p>
+            <a:pPr>
+              <a:buFont typeface="Arial" panose="020B0604020202020204" pitchFamily="34" charset="0"/>
+              <a:buChar char="•"/>
+            </a:pPr>
+            <a:r>
+              <a:rPr lang="zh-CN" altLang="en-US" sz="1800" b="1">
+                <a:latin typeface="微软雅黑" panose="020B0503020204020204" pitchFamily="34" charset="-122"/>
+                <a:ea typeface="微软雅黑" panose="020B0503020204020204" pitchFamily="34" charset="-122"/>
+              </a:rPr>
+              <a:t>可以只对一行上“锁”</a:t>
+            </a:r>
+          </a:p>
+          <a:p>
+            <a:pPr>
+              <a:buFont typeface="Arial" panose="020B0604020202020204" pitchFamily="34" charset="0"/>
+              <a:buChar char="•"/>
+            </a:pPr>
+            <a:r>
+              <a:rPr lang="zh-CN" altLang="en-US" sz="1800" b="1">
+                <a:latin typeface="微软雅黑" panose="020B0503020204020204" pitchFamily="34" charset="-122"/>
+                <a:ea typeface="微软雅黑" panose="020B0503020204020204" pitchFamily="34" charset="-122"/>
+              </a:rPr>
+              <a:t>对行的写操作是始终是“原子”的</a:t>
+            </a:r>
+          </a:p>
+        </p:txBody>
+      </p:sp>
+    </p:spTree>
+    <p:extLst>
+      <p:ext uri="{BB962C8B-B14F-4D97-AF65-F5344CB8AC3E}">
+        <p14:creationId xmlns:p14="http://schemas.microsoft.com/office/powerpoint/2010/main" val="3067177693"/>
+      </p:ext>
+    </p:extLst>
+  </p:cSld>
+  <p:clrMapOvr>
+    <a:masterClrMapping/>
+  </p:clrMapOvr>
+</p:sld>
+</file>
+
+<file path=ppt/slides/slide6.xml><?xml version="1.0" encoding="utf-8"?>
+<p:sld xmlns:a="http://schemas.openxmlformats.org/drawingml/2006/main" xmlns:r="http://schemas.openxmlformats.org/officeDocument/2006/relationships" xmlns:p="http://schemas.openxmlformats.org/presentationml/2006/main">
+  <p:cSld>
+    <p:spTree>
+      <p:nvGrpSpPr>
+        <p:cNvPr id="1" name=""/>
+        <p:cNvGrpSpPr/>
+        <p:nvPr/>
+      </p:nvGrpSpPr>
+      <p:grpSpPr>
+        <a:xfrm>
+          <a:off x="0" y="0"/>
+          <a:ext cx="0" cy="0"/>
+          <a:chOff x="0" y="0"/>
+          <a:chExt cx="0" cy="0"/>
+        </a:xfrm>
+      </p:grpSpPr>
+      <p:sp>
+        <p:nvSpPr>
+          <p:cNvPr id="2" name="Rectangle 2"/>
+          <p:cNvSpPr>
+            <a:spLocks noGrp="1" noChangeArrowheads="1"/>
+          </p:cNvSpPr>
+          <p:nvPr/>
+        </p:nvSpPr>
+        <p:spPr bwMode="auto">
+          <a:xfrm>
+            <a:off x="2239169" y="261144"/>
+            <a:ext cx="7696200" cy="1439863"/>
+          </a:xfrm>
+          <a:prstGeom prst="rect">
+            <a:avLst/>
+          </a:prstGeom>
+          <a:noFill/>
+          <a:ln>
+            <a:noFill/>
+          </a:ln>
+          <a:extLst>
+            <a:ext uri="{909E8E84-426E-40DD-AFC4-6F175D3DCCD1}">
+              <a14:hiddenFill xmlns:a14="http://schemas.microsoft.com/office/drawing/2010/main">
+                <a:solidFill>
+                  <a:schemeClr val="accent1"/>
+                </a:solidFill>
+              </a14:hiddenFill>
+            </a:ext>
+            <a:ext uri="{91240B29-F687-4F45-9708-019B960494DF}">
+              <a14:hiddenLine xmlns:a14="http://schemas.microsoft.com/office/drawing/2010/main" w="9525">
+                <a:solidFill>
+                  <a:srgbClr val="000000"/>
+                </a:solidFill>
+                <a:miter lim="800000"/>
+                <a:headEnd/>
+                <a:tailEnd/>
+              </a14:hiddenLine>
+            </a:ext>
+          </a:extLst>
+        </p:spPr>
+        <p:txBody>
+          <a:bodyPr vert="horz" wrap="square" lIns="91440" tIns="45720" rIns="91440" bIns="45720" numCol="1" anchor="ctr" anchorCtr="0" compatLnSpc="1">
+            <a:prstTxWarp prst="textNoShape">
+              <a:avLst/>
+            </a:prstTxWarp>
+          </a:bodyPr>
+          <a:lstStyle>
+            <a:lvl1pPr algn="l" rtl="0" fontAlgn="t">
+              <a:lnSpc>
+                <a:spcPts val="3200"/>
+              </a:lnSpc>
+              <a:spcBef>
+                <a:spcPct val="0"/>
+              </a:spcBef>
+              <a:spcAft>
+                <a:spcPct val="0"/>
+              </a:spcAft>
+              <a:buSzPct val="100000"/>
+              <a:buFont typeface="Times New Roman" panose="02020603050405020304" pitchFamily="18" charset="0"/>
+              <a:defRPr sz="4400" b="1" kern="1200">
+                <a:solidFill>
+                  <a:srgbClr val="074888"/>
+                </a:solidFill>
+                <a:latin typeface="+mj-lt"/>
+                <a:ea typeface="+mj-ea"/>
+                <a:cs typeface="+mj-cs"/>
+              </a:defRPr>
+            </a:lvl1pPr>
+            <a:lvl2pPr algn="l" rtl="0" fontAlgn="t">
+              <a:lnSpc>
+                <a:spcPts val="3200"/>
+              </a:lnSpc>
+              <a:spcBef>
+                <a:spcPct val="0"/>
+              </a:spcBef>
+              <a:spcAft>
+                <a:spcPct val="0"/>
+              </a:spcAft>
+              <a:buSzPct val="100000"/>
+              <a:buFont typeface="Times New Roman" panose="02020603050405020304" pitchFamily="18" charset="0"/>
+              <a:defRPr sz="4400" b="1">
+                <a:solidFill>
+                  <a:srgbClr val="074888"/>
+                </a:solidFill>
+                <a:latin typeface="Arial" panose="020B0604020202020204" pitchFamily="34" charset="0"/>
+                <a:ea typeface="楷体_GB2312" pitchFamily="1" charset="-122"/>
+              </a:defRPr>
+            </a:lvl2pPr>
+            <a:lvl3pPr algn="l" rtl="0" fontAlgn="t">
+              <a:lnSpc>
+                <a:spcPts val="3200"/>
+              </a:lnSpc>
+              <a:spcBef>
+                <a:spcPct val="0"/>
+              </a:spcBef>
+              <a:spcAft>
+                <a:spcPct val="0"/>
+              </a:spcAft>
+              <a:buSzPct val="100000"/>
+              <a:buFont typeface="Times New Roman" panose="02020603050405020304" pitchFamily="18" charset="0"/>
+              <a:defRPr sz="4400" b="1">
+                <a:solidFill>
+                  <a:srgbClr val="074888"/>
+                </a:solidFill>
+                <a:latin typeface="Arial" panose="020B0604020202020204" pitchFamily="34" charset="0"/>
+                <a:ea typeface="楷体_GB2312" pitchFamily="1" charset="-122"/>
+              </a:defRPr>
+            </a:lvl3pPr>
+            <a:lvl4pPr algn="l" rtl="0" fontAlgn="t">
+              <a:lnSpc>
+                <a:spcPts val="3200"/>
+              </a:lnSpc>
+              <a:spcBef>
+                <a:spcPct val="0"/>
+              </a:spcBef>
+              <a:spcAft>
+                <a:spcPct val="0"/>
+              </a:spcAft>
+              <a:buSzPct val="100000"/>
+              <a:buFont typeface="Times New Roman" panose="02020603050405020304" pitchFamily="18" charset="0"/>
+              <a:defRPr sz="4400" b="1">
+                <a:solidFill>
+                  <a:srgbClr val="074888"/>
+                </a:solidFill>
+                <a:latin typeface="Arial" panose="020B0604020202020204" pitchFamily="34" charset="0"/>
+                <a:ea typeface="楷体_GB2312" pitchFamily="1" charset="-122"/>
+              </a:defRPr>
+            </a:lvl4pPr>
+            <a:lvl5pPr algn="l" rtl="0" fontAlgn="t">
+              <a:lnSpc>
+                <a:spcPts val="3200"/>
+              </a:lnSpc>
+              <a:spcBef>
+                <a:spcPct val="0"/>
+              </a:spcBef>
+              <a:spcAft>
+                <a:spcPct val="0"/>
+              </a:spcAft>
+              <a:buSzPct val="100000"/>
+              <a:buFont typeface="Times New Roman" panose="02020603050405020304" pitchFamily="18" charset="0"/>
+              <a:defRPr sz="4400" b="1">
+                <a:solidFill>
+                  <a:srgbClr val="074888"/>
+                </a:solidFill>
+                <a:latin typeface="Arial" panose="020B0604020202020204" pitchFamily="34" charset="0"/>
+                <a:ea typeface="楷体_GB2312" pitchFamily="1" charset="-122"/>
+              </a:defRPr>
+            </a:lvl5pPr>
+            <a:lvl6pPr marL="457200" algn="l" rtl="0" fontAlgn="t">
+              <a:lnSpc>
+                <a:spcPts val="3200"/>
+              </a:lnSpc>
+              <a:spcBef>
+                <a:spcPct val="0"/>
+              </a:spcBef>
+              <a:spcAft>
+                <a:spcPct val="0"/>
+              </a:spcAft>
+              <a:buSzPct val="100000"/>
+              <a:buFont typeface="Times New Roman" panose="02020603050405020304" pitchFamily="18" charset="0"/>
+              <a:defRPr sz="4400" b="1">
+                <a:solidFill>
+                  <a:srgbClr val="074888"/>
+                </a:solidFill>
+                <a:latin typeface="Arial" panose="020B0604020202020204" pitchFamily="34" charset="0"/>
+                <a:ea typeface="楷体_GB2312" pitchFamily="1" charset="-122"/>
+              </a:defRPr>
+            </a:lvl6pPr>
+            <a:lvl7pPr marL="914400" algn="l" rtl="0" fontAlgn="t">
+              <a:lnSpc>
+                <a:spcPts val="3200"/>
+              </a:lnSpc>
+              <a:spcBef>
+                <a:spcPct val="0"/>
+              </a:spcBef>
+              <a:spcAft>
+                <a:spcPct val="0"/>
+              </a:spcAft>
+              <a:buSzPct val="100000"/>
+              <a:buFont typeface="Times New Roman" panose="02020603050405020304" pitchFamily="18" charset="0"/>
+              <a:defRPr sz="4400" b="1">
+                <a:solidFill>
+                  <a:srgbClr val="074888"/>
+                </a:solidFill>
+                <a:latin typeface="Arial" panose="020B0604020202020204" pitchFamily="34" charset="0"/>
+                <a:ea typeface="楷体_GB2312" pitchFamily="1" charset="-122"/>
+              </a:defRPr>
+            </a:lvl7pPr>
+            <a:lvl8pPr marL="1371600" algn="l" rtl="0" fontAlgn="t">
+              <a:lnSpc>
+                <a:spcPts val="3200"/>
+              </a:lnSpc>
+              <a:spcBef>
+                <a:spcPct val="0"/>
+              </a:spcBef>
+              <a:spcAft>
+                <a:spcPct val="0"/>
+              </a:spcAft>
+              <a:buSzPct val="100000"/>
+              <a:buFont typeface="Times New Roman" panose="02020603050405020304" pitchFamily="18" charset="0"/>
+              <a:defRPr sz="4400" b="1">
+                <a:solidFill>
+                  <a:srgbClr val="074888"/>
+                </a:solidFill>
+                <a:latin typeface="Arial" panose="020B0604020202020204" pitchFamily="34" charset="0"/>
+                <a:ea typeface="楷体_GB2312" pitchFamily="1" charset="-122"/>
+              </a:defRPr>
+            </a:lvl8pPr>
+            <a:lvl9pPr marL="1828800" algn="l" rtl="0" fontAlgn="t">
+              <a:lnSpc>
+                <a:spcPts val="3200"/>
+              </a:lnSpc>
+              <a:spcBef>
+                <a:spcPct val="0"/>
+              </a:spcBef>
+              <a:spcAft>
+                <a:spcPct val="0"/>
+              </a:spcAft>
+              <a:buSzPct val="100000"/>
+              <a:buFont typeface="Times New Roman" panose="02020603050405020304" pitchFamily="18" charset="0"/>
+              <a:defRPr sz="4400" b="1">
+                <a:solidFill>
+                  <a:srgbClr val="074888"/>
+                </a:solidFill>
+                <a:latin typeface="Arial" panose="020B0604020202020204" pitchFamily="34" charset="0"/>
+                <a:ea typeface="楷体_GB2312" pitchFamily="1" charset="-122"/>
+              </a:defRPr>
+            </a:lvl9pPr>
+          </a:lstStyle>
+          <a:p>
+            <a:r>
+              <a:rPr lang="zh-CN" altLang="en-US"/>
+              <a:t>数据模型－列</a:t>
+            </a:r>
+          </a:p>
+        </p:txBody>
+      </p:sp>
+      <p:sp>
+        <p:nvSpPr>
+          <p:cNvPr id="3" name="Rectangle 3"/>
+          <p:cNvSpPr>
+            <a:spLocks noGrp="1" noChangeArrowheads="1"/>
+          </p:cNvSpPr>
+          <p:nvPr/>
+        </p:nvSpPr>
+        <p:spPr bwMode="auto">
+          <a:xfrm>
+            <a:off x="1950244" y="4509294"/>
+            <a:ext cx="8229600" cy="2087563"/>
+          </a:xfrm>
+          <a:prstGeom prst="rect">
+            <a:avLst/>
+          </a:prstGeom>
+          <a:noFill/>
+          <a:ln>
+            <a:noFill/>
+          </a:ln>
+          <a:extLst>
+            <a:ext uri="{909E8E84-426E-40DD-AFC4-6F175D3DCCD1}">
+              <a14:hiddenFill xmlns:a14="http://schemas.microsoft.com/office/drawing/2010/main">
+                <a:solidFill>
+                  <a:schemeClr val="accent1"/>
+                </a:solidFill>
+              </a14:hiddenFill>
+            </a:ext>
+            <a:ext uri="{91240B29-F687-4F45-9708-019B960494DF}">
+              <a14:hiddenLine xmlns:a14="http://schemas.microsoft.com/office/drawing/2010/main" w="9525">
+                <a:solidFill>
+                  <a:srgbClr val="000000"/>
+                </a:solidFill>
+                <a:miter lim="800000"/>
+                <a:headEnd/>
+                <a:tailEnd/>
+              </a14:hiddenLine>
+            </a:ext>
+          </a:extLst>
+        </p:spPr>
+        <p:txBody>
+          <a:bodyPr vert="horz" wrap="square" lIns="91440" tIns="45720" rIns="91440" bIns="45720" numCol="1" anchor="t" anchorCtr="0" compatLnSpc="1">
+            <a:prstTxWarp prst="textNoShape">
+              <a:avLst/>
+            </a:prstTxWarp>
+          </a:bodyPr>
+          <a:lstStyle>
+            <a:lvl1pPr marL="342900" indent="-342900" algn="l" rtl="0" fontAlgn="base">
+              <a:spcBef>
+                <a:spcPct val="0"/>
+              </a:spcBef>
+              <a:spcAft>
+                <a:spcPct val="0"/>
+              </a:spcAft>
+              <a:buClr>
+                <a:schemeClr val="accent1"/>
+              </a:buClr>
+              <a:buSzPct val="110000"/>
+              <a:buFont typeface="Wingdings" panose="05000000000000000000" pitchFamily="2" charset="2"/>
+              <a:buBlip>
+                <a:blip r:embed="rId2"/>
+              </a:buBlip>
+              <a:defRPr sz="3200" kern="1200">
+                <a:solidFill>
+                  <a:schemeClr val="tx1"/>
+                </a:solidFill>
+                <a:latin typeface="+mn-lt"/>
+                <a:ea typeface="+mn-ea"/>
+                <a:cs typeface="+mn-cs"/>
+              </a:defRPr>
+            </a:lvl1pPr>
+            <a:lvl2pPr marL="742950" indent="-285750" algn="l" rtl="0" fontAlgn="base">
+              <a:spcBef>
+                <a:spcPct val="0"/>
+              </a:spcBef>
+              <a:spcAft>
+                <a:spcPct val="0"/>
+              </a:spcAft>
+              <a:buClr>
+                <a:schemeClr val="accent1"/>
+              </a:buClr>
+              <a:buSzPct val="110000"/>
+              <a:buFont typeface="Wingdings" panose="05000000000000000000" pitchFamily="2" charset="2"/>
+              <a:buBlip>
+                <a:blip r:embed="rId3"/>
+              </a:buBlip>
+              <a:defRPr sz="2800" kern="1200">
+                <a:solidFill>
+                  <a:schemeClr val="tx1"/>
+                </a:solidFill>
+                <a:latin typeface="+mn-lt"/>
+                <a:ea typeface="+mn-ea"/>
+                <a:cs typeface="+mn-cs"/>
+              </a:defRPr>
+            </a:lvl2pPr>
+            <a:lvl3pPr marL="1143000" indent="-228600" algn="l" rtl="0" fontAlgn="base">
+              <a:spcBef>
+                <a:spcPct val="0"/>
+              </a:spcBef>
+              <a:spcAft>
+                <a:spcPct val="0"/>
+              </a:spcAft>
+              <a:buClr>
+                <a:schemeClr val="accent1"/>
+              </a:buClr>
+              <a:buSzPct val="110000"/>
+              <a:buFont typeface="Wingdings" panose="05000000000000000000" pitchFamily="2" charset="2"/>
+              <a:buBlip>
+                <a:blip r:embed="rId2"/>
+              </a:buBlip>
+              <a:defRPr sz="2400" kern="1200">
+                <a:solidFill>
+                  <a:schemeClr val="tx1"/>
+                </a:solidFill>
+                <a:latin typeface="+mn-lt"/>
+                <a:ea typeface="+mn-ea"/>
+                <a:cs typeface="+mn-cs"/>
+              </a:defRPr>
+            </a:lvl3pPr>
+            <a:lvl4pPr marL="1600200" indent="-228600" algn="l" rtl="0" fontAlgn="base">
+              <a:spcBef>
+                <a:spcPct val="0"/>
+              </a:spcBef>
+              <a:spcAft>
+                <a:spcPct val="0"/>
+              </a:spcAft>
+              <a:buClr>
+                <a:schemeClr val="accent1"/>
+              </a:buClr>
+              <a:buSzPct val="110000"/>
+              <a:buFont typeface="Wingdings" panose="05000000000000000000" pitchFamily="2" charset="2"/>
+              <a:buBlip>
+                <a:blip r:embed="rId3"/>
+              </a:buBlip>
+              <a:defRPr sz="2000" kern="1200">
+                <a:solidFill>
+                  <a:schemeClr val="tx1"/>
+                </a:solidFill>
+                <a:latin typeface="+mn-lt"/>
+                <a:ea typeface="+mn-ea"/>
+                <a:cs typeface="+mn-cs"/>
+              </a:defRPr>
+            </a:lvl4pPr>
+            <a:lvl5pPr marL="2057400" indent="-228600" algn="l" rtl="0" fontAlgn="base">
+              <a:spcBef>
+                <a:spcPct val="20000"/>
+              </a:spcBef>
+              <a:spcAft>
+                <a:spcPct val="0"/>
+              </a:spcAft>
+              <a:buClr>
+                <a:schemeClr val="accent1"/>
+              </a:buClr>
+              <a:buSzPct val="110000"/>
+              <a:buFont typeface="Wingdings" panose="05000000000000000000" pitchFamily="2" charset="2"/>
+              <a:buBlip>
+                <a:blip r:embed="rId2"/>
+              </a:buBlip>
+              <a:defRPr kern="1200">
+                <a:solidFill>
+                  <a:schemeClr val="tx1"/>
+                </a:solidFill>
+                <a:latin typeface="+mn-lt"/>
+                <a:ea typeface="+mn-ea"/>
+                <a:cs typeface="+mn-cs"/>
+              </a:defRPr>
+            </a:lvl5pPr>
+            <a:lvl6pPr marL="2514600" indent="-228600" algn="l" defTabSz="914400" rtl="0" eaLnBrk="1" latinLnBrk="0" hangingPunct="1">
+              <a:lnSpc>
+                <a:spcPct val="90000"/>
+              </a:lnSpc>
+              <a:spcBef>
+                <a:spcPts val="500"/>
+              </a:spcBef>
+              <a:buFont typeface="Arial" panose="020B0604020202020204" pitchFamily="34" charset="0"/>
+              <a:buChar char="•"/>
+              <a:defRPr sz="1800" kern="1200">
+                <a:solidFill>
+                  <a:schemeClr val="tx1"/>
+                </a:solidFill>
+                <a:latin typeface="+mn-lt"/>
+                <a:ea typeface="+mn-ea"/>
+                <a:cs typeface="+mn-cs"/>
+              </a:defRPr>
+            </a:lvl6pPr>
+            <a:lvl7pPr marL="2971800" indent="-228600" algn="l" defTabSz="914400" rtl="0" eaLnBrk="1" latinLnBrk="0" hangingPunct="1">
+              <a:lnSpc>
+                <a:spcPct val="90000"/>
+              </a:lnSpc>
+              <a:spcBef>
+                <a:spcPts val="500"/>
+              </a:spcBef>
+              <a:buFont typeface="Arial" panose="020B0604020202020204" pitchFamily="34" charset="0"/>
+              <a:buChar char="•"/>
+              <a:defRPr sz="1800" kern="1200">
+                <a:solidFill>
+                  <a:schemeClr val="tx1"/>
+                </a:solidFill>
+                <a:latin typeface="+mn-lt"/>
+                <a:ea typeface="+mn-ea"/>
+                <a:cs typeface="+mn-cs"/>
+              </a:defRPr>
+            </a:lvl7pPr>
+            <a:lvl8pPr marL="3429000" indent="-228600" algn="l" defTabSz="914400" rtl="0" eaLnBrk="1" latinLnBrk="0" hangingPunct="1">
+              <a:lnSpc>
+                <a:spcPct val="90000"/>
+              </a:lnSpc>
+              <a:spcBef>
+                <a:spcPts val="500"/>
+              </a:spcBef>
+              <a:buFont typeface="Arial" panose="020B0604020202020204" pitchFamily="34" charset="0"/>
+              <a:buChar char="•"/>
+              <a:defRPr sz="1800" kern="1200">
+                <a:solidFill>
+                  <a:schemeClr val="tx1"/>
+                </a:solidFill>
+                <a:latin typeface="+mn-lt"/>
+                <a:ea typeface="+mn-ea"/>
+                <a:cs typeface="+mn-cs"/>
+              </a:defRPr>
+            </a:lvl8pPr>
+            <a:lvl9pPr marL="3886200" indent="-228600" algn="l" defTabSz="914400" rtl="0" eaLnBrk="1" latinLnBrk="0" hangingPunct="1">
+              <a:lnSpc>
+                <a:spcPct val="90000"/>
+              </a:lnSpc>
+              <a:spcBef>
+                <a:spcPts val="500"/>
+              </a:spcBef>
+              <a:buFont typeface="Arial" panose="020B0604020202020204" pitchFamily="34" charset="0"/>
+              <a:buChar char="•"/>
+              <a:defRPr sz="1800" kern="1200">
+                <a:solidFill>
+                  <a:schemeClr val="tx1"/>
+                </a:solidFill>
+                <a:latin typeface="+mn-lt"/>
+                <a:ea typeface="+mn-ea"/>
+                <a:cs typeface="+mn-cs"/>
+              </a:defRPr>
+            </a:lvl9pPr>
+          </a:lstStyle>
+          <a:p>
+            <a:r>
+              <a:rPr lang="zh-CN" altLang="en-US" sz="1800" b="1">
+                <a:latin typeface="微软雅黑" panose="020B0503020204020204" pitchFamily="34" charset="-122"/>
+                <a:ea typeface="微软雅黑" panose="020B0503020204020204" pitchFamily="34" charset="-122"/>
+              </a:rPr>
+              <a:t>列必须用‘族’</a:t>
+            </a:r>
+            <a:r>
+              <a:rPr lang="en-US" altLang="zh-CN" sz="1800" b="1">
+                <a:latin typeface="微软雅黑" panose="020B0503020204020204" pitchFamily="34" charset="-122"/>
+                <a:ea typeface="微软雅黑" panose="020B0503020204020204" pitchFamily="34" charset="-122"/>
+              </a:rPr>
+              <a:t>(family)</a:t>
+            </a:r>
+            <a:r>
+              <a:rPr lang="zh-CN" altLang="en-US" sz="1800" b="1">
+                <a:latin typeface="微软雅黑" panose="020B0503020204020204" pitchFamily="34" charset="-122"/>
+                <a:ea typeface="微软雅黑" panose="020B0503020204020204" pitchFamily="34" charset="-122"/>
+              </a:rPr>
+              <a:t>来定义</a:t>
+            </a:r>
+          </a:p>
+          <a:p>
+            <a:r>
+              <a:rPr lang="zh-CN" altLang="en-US" sz="1800" b="1">
+                <a:latin typeface="微软雅黑" panose="020B0503020204020204" pitchFamily="34" charset="-122"/>
+                <a:ea typeface="微软雅黑" panose="020B0503020204020204" pitchFamily="34" charset="-122"/>
+              </a:rPr>
+              <a:t>任意一列有如下形式</a:t>
+            </a:r>
+          </a:p>
+          <a:p>
+            <a:pPr lvl="1">
+              <a:buFont typeface="Wingdings" panose="05000000000000000000" pitchFamily="2" charset="2"/>
+              <a:buNone/>
+            </a:pPr>
+            <a:r>
+              <a:rPr lang="zh-CN" altLang="en-US" sz="1800" b="1">
+                <a:latin typeface="微软雅黑" panose="020B0503020204020204" pitchFamily="34" charset="-122"/>
+                <a:ea typeface="微软雅黑" panose="020B0503020204020204" pitchFamily="34" charset="-122"/>
+              </a:rPr>
+              <a:t>“族：标签”</a:t>
+            </a:r>
+          </a:p>
+          <a:p>
+            <a:pPr lvl="1">
+              <a:buFont typeface="Wingdings" panose="05000000000000000000" pitchFamily="2" charset="2"/>
+              <a:buNone/>
+            </a:pPr>
+            <a:r>
+              <a:rPr lang="zh-CN" altLang="en-US" sz="1800" b="1">
+                <a:latin typeface="微软雅黑" panose="020B0503020204020204" pitchFamily="34" charset="-122"/>
+                <a:ea typeface="微软雅黑" panose="020B0503020204020204" pitchFamily="34" charset="-122"/>
+              </a:rPr>
+              <a:t>其中，族和标签都可为任意形式的串</a:t>
+            </a:r>
+          </a:p>
+          <a:p>
+            <a:r>
+              <a:rPr lang="zh-CN" altLang="en-US" sz="1800" b="1">
+                <a:latin typeface="微软雅黑" panose="020B0503020204020204" pitchFamily="34" charset="-122"/>
+                <a:ea typeface="微软雅黑" panose="020B0503020204020204" pitchFamily="34" charset="-122"/>
+              </a:rPr>
+              <a:t>物理上将同“族”数据存储在一起</a:t>
+            </a:r>
+          </a:p>
+          <a:p>
+            <a:r>
+              <a:rPr lang="zh-CN" altLang="en-US" sz="1800" b="1">
+                <a:latin typeface="微软雅黑" panose="020B0503020204020204" pitchFamily="34" charset="-122"/>
+                <a:ea typeface="微软雅黑" panose="020B0503020204020204" pitchFamily="34" charset="-122"/>
+              </a:rPr>
+              <a:t>数据可通过时间戳区分版本</a:t>
+            </a:r>
+          </a:p>
+        </p:txBody>
+      </p:sp>
+      <p:pic>
+        <p:nvPicPr>
+          <p:cNvPr id="4" name="table"/>
+          <p:cNvPicPr>
+            <a:picLocks noChangeAspect="1"/>
+          </p:cNvPicPr>
+          <p:nvPr/>
+        </p:nvPicPr>
+        <p:blipFill>
+          <a:blip r:embed="rId4"/>
+          <a:stretch>
+            <a:fillRect/>
+          </a:stretch>
+        </p:blipFill>
+        <p:spPr>
+          <a:xfrm>
+            <a:off x="2012156" y="1642269"/>
+            <a:ext cx="8229600" cy="2717800"/>
+          </a:xfrm>
+          <a:prstGeom prst="rect">
+            <a:avLst/>
+          </a:prstGeom>
+        </p:spPr>
+      </p:pic>
+      <p:sp>
+        <p:nvSpPr>
+          <p:cNvPr id="5" name="椭圆形标注 4"/>
+          <p:cNvSpPr>
+            <a:spLocks noChangeArrowheads="1"/>
+          </p:cNvSpPr>
+          <p:nvPr/>
+        </p:nvSpPr>
+        <p:spPr bwMode="auto">
+          <a:xfrm>
+            <a:off x="2412206" y="427832"/>
+            <a:ext cx="2071688" cy="928687"/>
+          </a:xfrm>
+          <a:prstGeom prst="wedgeEllipseCallout">
+            <a:avLst>
+              <a:gd name="adj1" fmla="val 85556"/>
+              <a:gd name="adj2" fmla="val 105685"/>
+            </a:avLst>
+          </a:prstGeom>
+          <a:solidFill>
+            <a:srgbClr val="477AB1"/>
+          </a:solidFill>
+          <a:ln w="25400" cap="flat" cmpd="sng">
+            <a:solidFill>
+              <a:srgbClr val="325881"/>
+            </a:solidFill>
+            <a:miter lim="800000"/>
+            <a:headEnd/>
+            <a:tailEnd/>
+          </a:ln>
+          <a:effectLst/>
+          <a:extLst>
+            <a:ext uri="{AF507438-7753-43E0-B8FC-AC1667EBCBE1}">
+              <a14:hiddenEffects xmlns:a14="http://schemas.microsoft.com/office/drawing/2010/main">
+                <a:effectLst>
+                  <a:outerShdw dist="35921" dir="2700000" algn="ctr" rotWithShape="0">
+                    <a:srgbClr val="808080"/>
+                  </a:outerShdw>
+                </a:effectLst>
+              </a14:hiddenEffects>
+            </a:ext>
+          </a:extLst>
+        </p:spPr>
+        <p:txBody>
+          <a:bodyPr anchor="ctr"/>
+          <a:lstStyle>
+            <a:defPPr>
+              <a:defRPr lang="en-US"/>
+            </a:defPPr>
+            <a:lvl1pPr algn="l" rtl="0" fontAlgn="base">
+              <a:spcBef>
+                <a:spcPct val="0"/>
+              </a:spcBef>
+              <a:spcAft>
+                <a:spcPct val="0"/>
+              </a:spcAft>
+              <a:buSzPct val="100000"/>
+              <a:buFont typeface="Arial" panose="020B0604020202020204" pitchFamily="34" charset="0"/>
+              <a:defRPr sz="2400" kern="1200">
+                <a:solidFill>
+                  <a:schemeClr val="tx1"/>
+                </a:solidFill>
+                <a:latin typeface="Times New Roman" panose="02020603050405020304" pitchFamily="18" charset="0"/>
+                <a:ea typeface="PMingLiU" pitchFamily="2" charset="-120"/>
+                <a:cs typeface="+mn-cs"/>
+              </a:defRPr>
+            </a:lvl1pPr>
+            <a:lvl2pPr marL="457200" algn="l" rtl="0" fontAlgn="base">
+              <a:spcBef>
+                <a:spcPct val="0"/>
+              </a:spcBef>
+              <a:spcAft>
+                <a:spcPct val="0"/>
+              </a:spcAft>
+              <a:buSzPct val="100000"/>
+              <a:buFont typeface="Arial" panose="020B0604020202020204" pitchFamily="34" charset="0"/>
+              <a:defRPr sz="2400" kern="1200">
+                <a:solidFill>
+                  <a:schemeClr val="tx1"/>
+                </a:solidFill>
+                <a:latin typeface="Times New Roman" panose="02020603050405020304" pitchFamily="18" charset="0"/>
+                <a:ea typeface="PMingLiU" pitchFamily="2" charset="-120"/>
+                <a:cs typeface="+mn-cs"/>
+              </a:defRPr>
+            </a:lvl2pPr>
+            <a:lvl3pPr marL="914400" algn="l" rtl="0" fontAlgn="base">
+              <a:spcBef>
+                <a:spcPct val="0"/>
+              </a:spcBef>
+              <a:spcAft>
+                <a:spcPct val="0"/>
+              </a:spcAft>
+              <a:buSzPct val="100000"/>
+              <a:buFont typeface="Arial" panose="020B0604020202020204" pitchFamily="34" charset="0"/>
+              <a:defRPr sz="2400" kern="1200">
+                <a:solidFill>
+                  <a:schemeClr val="tx1"/>
+                </a:solidFill>
+                <a:latin typeface="Times New Roman" panose="02020603050405020304" pitchFamily="18" charset="0"/>
+                <a:ea typeface="PMingLiU" pitchFamily="2" charset="-120"/>
+                <a:cs typeface="+mn-cs"/>
+              </a:defRPr>
+            </a:lvl3pPr>
+            <a:lvl4pPr marL="1371600" algn="l" rtl="0" fontAlgn="base">
+              <a:spcBef>
+                <a:spcPct val="0"/>
+              </a:spcBef>
+              <a:spcAft>
+                <a:spcPct val="0"/>
+              </a:spcAft>
+              <a:buSzPct val="100000"/>
+              <a:buFont typeface="Arial" panose="020B0604020202020204" pitchFamily="34" charset="0"/>
+              <a:defRPr sz="2400" kern="1200">
+                <a:solidFill>
+                  <a:schemeClr val="tx1"/>
+                </a:solidFill>
+                <a:latin typeface="Times New Roman" panose="02020603050405020304" pitchFamily="18" charset="0"/>
+                <a:ea typeface="PMingLiU" pitchFamily="2" charset="-120"/>
+                <a:cs typeface="+mn-cs"/>
+              </a:defRPr>
+            </a:lvl4pPr>
+            <a:lvl5pPr marL="1828800" algn="l" rtl="0" fontAlgn="base">
+              <a:spcBef>
+                <a:spcPct val="0"/>
+              </a:spcBef>
+              <a:spcAft>
+                <a:spcPct val="0"/>
+              </a:spcAft>
+              <a:buSzPct val="100000"/>
+              <a:buFont typeface="Arial" panose="020B0604020202020204" pitchFamily="34" charset="0"/>
+              <a:defRPr sz="2400" kern="1200">
+                <a:solidFill>
+                  <a:schemeClr val="tx1"/>
+                </a:solidFill>
+                <a:latin typeface="Times New Roman" panose="02020603050405020304" pitchFamily="18" charset="0"/>
+                <a:ea typeface="PMingLiU" pitchFamily="2" charset="-120"/>
+                <a:cs typeface="+mn-cs"/>
+              </a:defRPr>
+            </a:lvl5pPr>
+            <a:lvl6pPr marL="2286000" algn="l" defTabSz="914400" rtl="0" eaLnBrk="1" latinLnBrk="0" hangingPunct="1">
+              <a:defRPr sz="2400" kern="1200">
+                <a:solidFill>
+                  <a:schemeClr val="tx1"/>
+                </a:solidFill>
+                <a:latin typeface="Times New Roman" panose="02020603050405020304" pitchFamily="18" charset="0"/>
+                <a:ea typeface="PMingLiU" pitchFamily="2" charset="-120"/>
+                <a:cs typeface="+mn-cs"/>
+              </a:defRPr>
+            </a:lvl6pPr>
+            <a:lvl7pPr marL="2743200" algn="l" defTabSz="914400" rtl="0" eaLnBrk="1" latinLnBrk="0" hangingPunct="1">
+              <a:defRPr sz="2400" kern="1200">
+                <a:solidFill>
+                  <a:schemeClr val="tx1"/>
+                </a:solidFill>
+                <a:latin typeface="Times New Roman" panose="02020603050405020304" pitchFamily="18" charset="0"/>
+                <a:ea typeface="PMingLiU" pitchFamily="2" charset="-120"/>
+                <a:cs typeface="+mn-cs"/>
+              </a:defRPr>
+            </a:lvl7pPr>
+            <a:lvl8pPr marL="3200400" algn="l" defTabSz="914400" rtl="0" eaLnBrk="1" latinLnBrk="0" hangingPunct="1">
+              <a:defRPr sz="2400" kern="1200">
+                <a:solidFill>
+                  <a:schemeClr val="tx1"/>
+                </a:solidFill>
+                <a:latin typeface="Times New Roman" panose="02020603050405020304" pitchFamily="18" charset="0"/>
+                <a:ea typeface="PMingLiU" pitchFamily="2" charset="-120"/>
+                <a:cs typeface="+mn-cs"/>
+              </a:defRPr>
+            </a:lvl8pPr>
+            <a:lvl9pPr marL="3657600" algn="l" defTabSz="914400" rtl="0" eaLnBrk="1" latinLnBrk="0" hangingPunct="1">
+              <a:defRPr sz="2400" kern="1200">
+                <a:solidFill>
+                  <a:schemeClr val="tx1"/>
+                </a:solidFill>
+                <a:latin typeface="Times New Roman" panose="02020603050405020304" pitchFamily="18" charset="0"/>
+                <a:ea typeface="PMingLiU" pitchFamily="2" charset="-120"/>
+                <a:cs typeface="+mn-cs"/>
+              </a:defRPr>
+            </a:lvl9pPr>
+          </a:lstStyle>
+          <a:p>
+            <a:pPr algn="ctr"/>
+            <a:r>
+              <a:rPr lang="zh-CN" altLang="en-US" sz="4800">
+                <a:solidFill>
+                  <a:srgbClr val="FFFFFF"/>
+                </a:solidFill>
+                <a:latin typeface="Cambria" panose="02040503050406030204" pitchFamily="18" charset="0"/>
+                <a:ea typeface="华文楷体" panose="02010600040101010101" pitchFamily="2" charset="-122"/>
+              </a:rPr>
+              <a:t>族</a:t>
+            </a:r>
+          </a:p>
+        </p:txBody>
+      </p:sp>
+      <p:sp>
+        <p:nvSpPr>
+          <p:cNvPr id="6" name="椭圆形标注 5"/>
+          <p:cNvSpPr>
+            <a:spLocks noChangeArrowheads="1"/>
+          </p:cNvSpPr>
+          <p:nvPr/>
+        </p:nvSpPr>
+        <p:spPr bwMode="auto">
+          <a:xfrm>
+            <a:off x="6199981" y="4509294"/>
+            <a:ext cx="2070100" cy="928688"/>
+          </a:xfrm>
+          <a:prstGeom prst="wedgeEllipseCallout">
+            <a:avLst>
+              <a:gd name="adj1" fmla="val 43917"/>
+              <a:gd name="adj2" fmla="val -297444"/>
+            </a:avLst>
+          </a:prstGeom>
+          <a:solidFill>
+            <a:srgbClr val="477AB1"/>
+          </a:solidFill>
+          <a:ln w="25400" cap="flat" cmpd="sng">
+            <a:solidFill>
+              <a:srgbClr val="325881"/>
+            </a:solidFill>
+            <a:miter lim="800000"/>
+            <a:headEnd/>
+            <a:tailEnd/>
+          </a:ln>
+          <a:effectLst/>
+          <a:extLst>
+            <a:ext uri="{AF507438-7753-43E0-B8FC-AC1667EBCBE1}">
+              <a14:hiddenEffects xmlns:a14="http://schemas.microsoft.com/office/drawing/2010/main">
+                <a:effectLst>
+                  <a:outerShdw dist="35921" dir="2700000" algn="ctr" rotWithShape="0">
+                    <a:srgbClr val="808080"/>
+                  </a:outerShdw>
+                </a:effectLst>
+              </a14:hiddenEffects>
+            </a:ext>
+          </a:extLst>
+        </p:spPr>
+        <p:txBody>
+          <a:bodyPr anchor="ctr"/>
+          <a:lstStyle>
+            <a:defPPr>
+              <a:defRPr lang="en-US"/>
+            </a:defPPr>
+            <a:lvl1pPr algn="l" rtl="0" fontAlgn="base">
+              <a:spcBef>
+                <a:spcPct val="0"/>
+              </a:spcBef>
+              <a:spcAft>
+                <a:spcPct val="0"/>
+              </a:spcAft>
+              <a:buSzPct val="100000"/>
+              <a:buFont typeface="Arial" panose="020B0604020202020204" pitchFamily="34" charset="0"/>
+              <a:defRPr sz="2400" kern="1200">
+                <a:solidFill>
+                  <a:schemeClr val="tx1"/>
+                </a:solidFill>
+                <a:latin typeface="Times New Roman" panose="02020603050405020304" pitchFamily="18" charset="0"/>
+                <a:ea typeface="PMingLiU" pitchFamily="2" charset="-120"/>
+                <a:cs typeface="+mn-cs"/>
+              </a:defRPr>
+            </a:lvl1pPr>
+            <a:lvl2pPr marL="457200" algn="l" rtl="0" fontAlgn="base">
+              <a:spcBef>
+                <a:spcPct val="0"/>
+              </a:spcBef>
+              <a:spcAft>
+                <a:spcPct val="0"/>
+              </a:spcAft>
+              <a:buSzPct val="100000"/>
+              <a:buFont typeface="Arial" panose="020B0604020202020204" pitchFamily="34" charset="0"/>
+              <a:defRPr sz="2400" kern="1200">
+                <a:solidFill>
+                  <a:schemeClr val="tx1"/>
+                </a:solidFill>
+                <a:latin typeface="Times New Roman" panose="02020603050405020304" pitchFamily="18" charset="0"/>
+                <a:ea typeface="PMingLiU" pitchFamily="2" charset="-120"/>
+                <a:cs typeface="+mn-cs"/>
+              </a:defRPr>
+            </a:lvl2pPr>
+            <a:lvl3pPr marL="914400" algn="l" rtl="0" fontAlgn="base">
+              <a:spcBef>
+                <a:spcPct val="0"/>
+              </a:spcBef>
+              <a:spcAft>
+                <a:spcPct val="0"/>
+              </a:spcAft>
+              <a:buSzPct val="100000"/>
+              <a:buFont typeface="Arial" panose="020B0604020202020204" pitchFamily="34" charset="0"/>
+              <a:defRPr sz="2400" kern="1200">
+                <a:solidFill>
+                  <a:schemeClr val="tx1"/>
+                </a:solidFill>
+                <a:latin typeface="Times New Roman" panose="02020603050405020304" pitchFamily="18" charset="0"/>
+                <a:ea typeface="PMingLiU" pitchFamily="2" charset="-120"/>
+                <a:cs typeface="+mn-cs"/>
+              </a:defRPr>
+            </a:lvl3pPr>
+            <a:lvl4pPr marL="1371600" algn="l" rtl="0" fontAlgn="base">
+              <a:spcBef>
+                <a:spcPct val="0"/>
+              </a:spcBef>
+              <a:spcAft>
+                <a:spcPct val="0"/>
+              </a:spcAft>
+              <a:buSzPct val="100000"/>
+              <a:buFont typeface="Arial" panose="020B0604020202020204" pitchFamily="34" charset="0"/>
+              <a:defRPr sz="2400" kern="1200">
+                <a:solidFill>
+                  <a:schemeClr val="tx1"/>
+                </a:solidFill>
+                <a:latin typeface="Times New Roman" panose="02020603050405020304" pitchFamily="18" charset="0"/>
+                <a:ea typeface="PMingLiU" pitchFamily="2" charset="-120"/>
+                <a:cs typeface="+mn-cs"/>
+              </a:defRPr>
+            </a:lvl4pPr>
+            <a:lvl5pPr marL="1828800" algn="l" rtl="0" fontAlgn="base">
+              <a:spcBef>
+                <a:spcPct val="0"/>
+              </a:spcBef>
+              <a:spcAft>
+                <a:spcPct val="0"/>
+              </a:spcAft>
+              <a:buSzPct val="100000"/>
+              <a:buFont typeface="Arial" panose="020B0604020202020204" pitchFamily="34" charset="0"/>
+              <a:defRPr sz="2400" kern="1200">
+                <a:solidFill>
+                  <a:schemeClr val="tx1"/>
+                </a:solidFill>
+                <a:latin typeface="Times New Roman" panose="02020603050405020304" pitchFamily="18" charset="0"/>
+                <a:ea typeface="PMingLiU" pitchFamily="2" charset="-120"/>
+                <a:cs typeface="+mn-cs"/>
+              </a:defRPr>
+            </a:lvl5pPr>
+            <a:lvl6pPr marL="2286000" algn="l" defTabSz="914400" rtl="0" eaLnBrk="1" latinLnBrk="0" hangingPunct="1">
+              <a:defRPr sz="2400" kern="1200">
+                <a:solidFill>
+                  <a:schemeClr val="tx1"/>
+                </a:solidFill>
+                <a:latin typeface="Times New Roman" panose="02020603050405020304" pitchFamily="18" charset="0"/>
+                <a:ea typeface="PMingLiU" pitchFamily="2" charset="-120"/>
+                <a:cs typeface="+mn-cs"/>
+              </a:defRPr>
+            </a:lvl6pPr>
+            <a:lvl7pPr marL="2743200" algn="l" defTabSz="914400" rtl="0" eaLnBrk="1" latinLnBrk="0" hangingPunct="1">
+              <a:defRPr sz="2400" kern="1200">
+                <a:solidFill>
+                  <a:schemeClr val="tx1"/>
+                </a:solidFill>
+                <a:latin typeface="Times New Roman" panose="02020603050405020304" pitchFamily="18" charset="0"/>
+                <a:ea typeface="PMingLiU" pitchFamily="2" charset="-120"/>
+                <a:cs typeface="+mn-cs"/>
+              </a:defRPr>
+            </a:lvl7pPr>
+            <a:lvl8pPr marL="3200400" algn="l" defTabSz="914400" rtl="0" eaLnBrk="1" latinLnBrk="0" hangingPunct="1">
+              <a:defRPr sz="2400" kern="1200">
+                <a:solidFill>
+                  <a:schemeClr val="tx1"/>
+                </a:solidFill>
+                <a:latin typeface="Times New Roman" panose="02020603050405020304" pitchFamily="18" charset="0"/>
+                <a:ea typeface="PMingLiU" pitchFamily="2" charset="-120"/>
+                <a:cs typeface="+mn-cs"/>
+              </a:defRPr>
+            </a:lvl8pPr>
+            <a:lvl9pPr marL="3657600" algn="l" defTabSz="914400" rtl="0" eaLnBrk="1" latinLnBrk="0" hangingPunct="1">
+              <a:defRPr sz="2400" kern="1200">
+                <a:solidFill>
+                  <a:schemeClr val="tx1"/>
+                </a:solidFill>
+                <a:latin typeface="Times New Roman" panose="02020603050405020304" pitchFamily="18" charset="0"/>
+                <a:ea typeface="PMingLiU" pitchFamily="2" charset="-120"/>
+                <a:cs typeface="+mn-cs"/>
+              </a:defRPr>
+            </a:lvl9pPr>
+          </a:lstStyle>
+          <a:p>
+            <a:pPr algn="ctr"/>
+            <a:r>
+              <a:rPr lang="zh-CN" altLang="en-US" sz="4800">
+                <a:solidFill>
+                  <a:srgbClr val="FFFFFF"/>
+                </a:solidFill>
+                <a:latin typeface="Cambria" panose="02040503050406030204" pitchFamily="18" charset="0"/>
+                <a:ea typeface="华文楷体" panose="02010600040101010101" pitchFamily="2" charset="-122"/>
+              </a:rPr>
+              <a:t>标签</a:t>
+            </a:r>
+          </a:p>
+        </p:txBody>
+      </p:sp>
+    </p:spTree>
+    <p:extLst>
+      <p:ext uri="{BB962C8B-B14F-4D97-AF65-F5344CB8AC3E}">
+        <p14:creationId xmlns:p14="http://schemas.microsoft.com/office/powerpoint/2010/main" val="2415630830"/>
+      </p:ext>
+    </p:extLst>
+  </p:cSld>
+  <p:clrMapOvr>
+    <a:masterClrMapping/>
+  </p:clrMapOvr>
+</p:sld>
+</file>
+
 <file path=ppt/theme/theme1.xml><?xml version="1.0" encoding="utf-8"?>
 <a:theme xmlns:a="http://schemas.openxmlformats.org/drawingml/2006/main" name="Office 主题​​">
   <a:themeElements>
